--- a/宣道詩/(宣道詩58)將你的器皿交給主.pptx
+++ b/宣道詩/(宣道詩58)將你的器皿交給主.pptx
@@ -5,12 +5,24 @@
     <p:sldMasterId id="2147483660" r:id="rId1"/>
   </p:sldMasterIdLst>
   <p:sldIdLst>
-    <p:sldId id="257" r:id="rId2"/>
-    <p:sldId id="258" r:id="rId3"/>
-    <p:sldId id="259" r:id="rId4"/>
-    <p:sldId id="260" r:id="rId5"/>
-    <p:sldId id="261" r:id="rId6"/>
-    <p:sldId id="262" r:id="rId7"/>
+    <p:sldId id="263" r:id="rId2"/>
+    <p:sldId id="264" r:id="rId3"/>
+    <p:sldId id="265" r:id="rId4"/>
+    <p:sldId id="266" r:id="rId5"/>
+    <p:sldId id="267" r:id="rId6"/>
+    <p:sldId id="268" r:id="rId7"/>
+    <p:sldId id="269" r:id="rId8"/>
+    <p:sldId id="270" r:id="rId9"/>
+    <p:sldId id="271" r:id="rId10"/>
+    <p:sldId id="272" r:id="rId11"/>
+    <p:sldId id="273" r:id="rId12"/>
+    <p:sldId id="274" r:id="rId13"/>
+    <p:sldId id="275" r:id="rId14"/>
+    <p:sldId id="276" r:id="rId15"/>
+    <p:sldId id="277" r:id="rId16"/>
+    <p:sldId id="278" r:id="rId17"/>
+    <p:sldId id="279" r:id="rId18"/>
+    <p:sldId id="280" r:id="rId19"/>
   </p:sldIdLst>
   <p:sldSz cx="12192000" cy="6858000"/>
   <p:notesSz cx="6858000" cy="9144000"/>
@@ -109,6 +121,11 @@
       </a:defRPr>
     </a:lvl9pPr>
   </p:defaultTextStyle>
+  <p:extLst>
+    <p:ext uri="{EFAFB233-063F-42B5-8137-9DF3F51BA10A}">
+      <p15:sldGuideLst xmlns:p15="http://schemas.microsoft.com/office/powerpoint/2012/main"/>
+    </p:ext>
+  </p:extLst>
 </p:presentation>
 </file>
 
@@ -293,7 +310,7 @@
           <a:p>
             <a:fld id="{59896083-4FCC-4415-B037-D471E14AC5F4}" type="datetimeFigureOut">
               <a:rPr lang="vi-VN" smtClean="0"/>
-              <a:t>04/07/2020</a:t>
+              <a:t>09/04/2022</a:t>
             </a:fld>
             <a:endParaRPr lang="vi-VN"/>
           </a:p>
@@ -463,7 +480,7 @@
           <a:p>
             <a:fld id="{59896083-4FCC-4415-B037-D471E14AC5F4}" type="datetimeFigureOut">
               <a:rPr lang="vi-VN" smtClean="0"/>
-              <a:t>04/07/2020</a:t>
+              <a:t>09/04/2022</a:t>
             </a:fld>
             <a:endParaRPr lang="vi-VN"/>
           </a:p>
@@ -643,7 +660,7 @@
           <a:p>
             <a:fld id="{59896083-4FCC-4415-B037-D471E14AC5F4}" type="datetimeFigureOut">
               <a:rPr lang="vi-VN" smtClean="0"/>
-              <a:t>04/07/2020</a:t>
+              <a:t>09/04/2022</a:t>
             </a:fld>
             <a:endParaRPr lang="vi-VN"/>
           </a:p>
@@ -813,7 +830,7 @@
           <a:p>
             <a:fld id="{59896083-4FCC-4415-B037-D471E14AC5F4}" type="datetimeFigureOut">
               <a:rPr lang="vi-VN" smtClean="0"/>
-              <a:t>04/07/2020</a:t>
+              <a:t>09/04/2022</a:t>
             </a:fld>
             <a:endParaRPr lang="vi-VN"/>
           </a:p>
@@ -1059,7 +1076,7 @@
           <a:p>
             <a:fld id="{59896083-4FCC-4415-B037-D471E14AC5F4}" type="datetimeFigureOut">
               <a:rPr lang="vi-VN" smtClean="0"/>
-              <a:t>04/07/2020</a:t>
+              <a:t>09/04/2022</a:t>
             </a:fld>
             <a:endParaRPr lang="vi-VN"/>
           </a:p>
@@ -1347,7 +1364,7 @@
           <a:p>
             <a:fld id="{59896083-4FCC-4415-B037-D471E14AC5F4}" type="datetimeFigureOut">
               <a:rPr lang="vi-VN" smtClean="0"/>
-              <a:t>04/07/2020</a:t>
+              <a:t>09/04/2022</a:t>
             </a:fld>
             <a:endParaRPr lang="vi-VN"/>
           </a:p>
@@ -1769,7 +1786,7 @@
           <a:p>
             <a:fld id="{59896083-4FCC-4415-B037-D471E14AC5F4}" type="datetimeFigureOut">
               <a:rPr lang="vi-VN" smtClean="0"/>
-              <a:t>04/07/2020</a:t>
+              <a:t>09/04/2022</a:t>
             </a:fld>
             <a:endParaRPr lang="vi-VN"/>
           </a:p>
@@ -1887,7 +1904,7 @@
           <a:p>
             <a:fld id="{59896083-4FCC-4415-B037-D471E14AC5F4}" type="datetimeFigureOut">
               <a:rPr lang="vi-VN" smtClean="0"/>
-              <a:t>04/07/2020</a:t>
+              <a:t>09/04/2022</a:t>
             </a:fld>
             <a:endParaRPr lang="vi-VN"/>
           </a:p>
@@ -1982,7 +1999,7 @@
           <a:p>
             <a:fld id="{59896083-4FCC-4415-B037-D471E14AC5F4}" type="datetimeFigureOut">
               <a:rPr lang="vi-VN" smtClean="0"/>
-              <a:t>04/07/2020</a:t>
+              <a:t>09/04/2022</a:t>
             </a:fld>
             <a:endParaRPr lang="vi-VN"/>
           </a:p>
@@ -2259,7 +2276,7 @@
           <a:p>
             <a:fld id="{59896083-4FCC-4415-B037-D471E14AC5F4}" type="datetimeFigureOut">
               <a:rPr lang="vi-VN" smtClean="0"/>
-              <a:t>04/07/2020</a:t>
+              <a:t>09/04/2022</a:t>
             </a:fld>
             <a:endParaRPr lang="vi-VN"/>
           </a:p>
@@ -2516,7 +2533,7 @@
           <a:p>
             <a:fld id="{59896083-4FCC-4415-B037-D471E14AC5F4}" type="datetimeFigureOut">
               <a:rPr lang="vi-VN" smtClean="0"/>
-              <a:t>04/07/2020</a:t>
+              <a:t>09/04/2022</a:t>
             </a:fld>
             <a:endParaRPr lang="vi-VN"/>
           </a:p>
@@ -2734,7 +2751,7 @@
           <a:p>
             <a:fld id="{59896083-4FCC-4415-B037-D471E14AC5F4}" type="datetimeFigureOut">
               <a:rPr lang="vi-VN" smtClean="0"/>
-              <a:t>04/07/2020</a:t>
+              <a:t>09/04/2022</a:t>
             </a:fld>
             <a:endParaRPr lang="vi-VN"/>
           </a:p>
@@ -3111,7 +3128,7 @@
       </p:grpSpPr>
       <p:sp>
         <p:nvSpPr>
-          <p:cNvPr id="2" name="Title 1"/>
+          <p:cNvPr id="4" name="標題 3"/>
           <p:cNvSpPr>
             <a:spLocks noGrp="1"/>
           </p:cNvSpPr>
@@ -3119,160 +3136,238 @@
             <p:ph type="title"/>
           </p:nvPr>
         </p:nvSpPr>
-        <p:spPr/>
+        <p:spPr>
+          <a:xfrm>
+            <a:off x="0" y="2660915"/>
+            <a:ext cx="12192000" cy="1143000"/>
+          </a:xfrm>
+        </p:spPr>
         <p:txBody>
           <a:bodyPr>
+            <a:noAutofit/>
+          </a:bodyPr>
+          <a:lstStyle/>
+          <a:p>
+            <a:r>
+              <a:rPr lang="zh-CN" altLang="en-US" sz="5333" b="1" u="sng" dirty="0">
+                <a:solidFill>
+                  <a:srgbClr val="000066"/>
+                </a:solidFill>
+                <a:effectLst>
+                  <a:outerShdw blurRad="38100" dist="38100" dir="2700000" algn="tl">
+                    <a:srgbClr val="000000">
+                      <a:alpha val="43137"/>
+                    </a:srgbClr>
+                  </a:outerShdw>
+                </a:effectLst>
+                <a:latin typeface="微軟正黑體" pitchFamily="34" charset="-120"/>
+                <a:ea typeface="微軟正黑體" pitchFamily="34" charset="-120"/>
+              </a:rPr>
+              <a:t>宣道詩 </a:t>
+            </a:r>
+            <a:r>
+              <a:rPr lang="en-US" altLang="zh-CN" sz="5333" b="1" u="sng" dirty="0">
+                <a:solidFill>
+                  <a:srgbClr val="000066"/>
+                </a:solidFill>
+                <a:effectLst>
+                  <a:outerShdw blurRad="38100" dist="38100" dir="2700000" algn="tl">
+                    <a:srgbClr val="000000">
+                      <a:alpha val="43137"/>
+                    </a:srgbClr>
+                  </a:outerShdw>
+                </a:effectLst>
+                <a:latin typeface="微軟正黑體" pitchFamily="34" charset="-120"/>
+                <a:ea typeface="微軟正黑體" pitchFamily="34" charset="-120"/>
+              </a:rPr>
+              <a:t>58</a:t>
+            </a:r>
+            <a:r>
+              <a:rPr lang="en-US" altLang="zh-CN" sz="7200" b="1" i="1" dirty="0">
+                <a:solidFill>
+                  <a:srgbClr val="660033"/>
+                </a:solidFill>
+                <a:effectLst>
+                  <a:outerShdw blurRad="38100" dist="38100" dir="2700000" algn="tl">
+                    <a:srgbClr val="000000">
+                      <a:alpha val="43137"/>
+                    </a:srgbClr>
+                  </a:outerShdw>
+                </a:effectLst>
+                <a:latin typeface="微軟正黑體" pitchFamily="34" charset="-120"/>
+                <a:ea typeface="微軟正黑體" pitchFamily="34" charset="-120"/>
+              </a:rPr>
+              <a:t/>
+            </a:r>
+            <a:br>
+              <a:rPr lang="en-US" altLang="zh-CN" sz="7200" b="1" i="1" dirty="0">
+                <a:solidFill>
+                  <a:srgbClr val="660033"/>
+                </a:solidFill>
+                <a:effectLst>
+                  <a:outerShdw blurRad="38100" dist="38100" dir="2700000" algn="tl">
+                    <a:srgbClr val="000000">
+                      <a:alpha val="43137"/>
+                    </a:srgbClr>
+                  </a:outerShdw>
+                </a:effectLst>
+                <a:latin typeface="微軟正黑體" pitchFamily="34" charset="-120"/>
+                <a:ea typeface="微軟正黑體" pitchFamily="34" charset="-120"/>
+              </a:rPr>
+            </a:br>
+            <a:r>
+              <a:rPr lang="zh-CN" altLang="en-US" sz="8000" b="1" dirty="0">
+                <a:solidFill>
+                  <a:srgbClr val="660033"/>
+                </a:solidFill>
+                <a:effectLst>
+                  <a:outerShdw blurRad="38100" dist="38100" dir="2700000" algn="tl">
+                    <a:srgbClr val="000000">
+                      <a:alpha val="43137"/>
+                    </a:srgbClr>
+                  </a:outerShdw>
+                </a:effectLst>
+                <a:latin typeface="微軟正黑體" pitchFamily="34" charset="-120"/>
+                <a:ea typeface="微軟正黑體" pitchFamily="34" charset="-120"/>
+              </a:rPr>
+              <a:t>將</a:t>
+            </a:r>
+            <a:r>
+              <a:rPr lang="zh-CN" altLang="en-US" sz="8000" b="1" dirty="0">
+                <a:solidFill>
+                  <a:srgbClr val="660033"/>
+                </a:solidFill>
+                <a:effectLst>
+                  <a:outerShdw blurRad="38100" dist="38100" dir="2700000" algn="tl">
+                    <a:srgbClr val="000000">
+                      <a:alpha val="43137"/>
+                    </a:srgbClr>
+                  </a:outerShdw>
+                </a:effectLst>
+                <a:latin typeface="微軟正黑體" pitchFamily="34" charset="-120"/>
+                <a:ea typeface="微軟正黑體" pitchFamily="34" charset="-120"/>
+              </a:rPr>
+              <a:t>你的器皿交給主</a:t>
+            </a:r>
+            <a:endParaRPr lang="zh-TW" altLang="en-US" sz="8000" b="1" dirty="0">
+              <a:solidFill>
+                <a:srgbClr val="660033"/>
+              </a:solidFill>
+              <a:effectLst>
+                <a:outerShdw blurRad="38100" dist="38100" dir="2700000" algn="tl">
+                  <a:srgbClr val="000000">
+                    <a:alpha val="43137"/>
+                  </a:srgbClr>
+                </a:outerShdw>
+              </a:effectLst>
+              <a:latin typeface="微軟正黑體" pitchFamily="34" charset="-120"/>
+              <a:ea typeface="微軟正黑體" pitchFamily="34" charset="-120"/>
+            </a:endParaRPr>
+          </a:p>
+        </p:txBody>
+      </p:sp>
+    </p:spTree>
+    <p:extLst>
+      <p:ext uri="{BB962C8B-B14F-4D97-AF65-F5344CB8AC3E}">
+        <p14:creationId xmlns:p14="http://schemas.microsoft.com/office/powerpoint/2010/main" val="4141491124"/>
+      </p:ext>
+    </p:extLst>
+  </p:cSld>
+  <p:clrMapOvr>
+    <a:masterClrMapping/>
+  </p:clrMapOvr>
+  <p:timing>
+    <p:tnLst>
+      <p:par>
+        <p:cTn id="1" dur="indefinite" restart="never" nodeType="tmRoot"/>
+      </p:par>
+    </p:tnLst>
+  </p:timing>
+</p:sld>
+</file>
+
+<file path=ppt/slides/slide10.xml><?xml version="1.0" encoding="utf-8"?>
+<p:sld xmlns:a="http://schemas.openxmlformats.org/drawingml/2006/main" xmlns:r="http://schemas.openxmlformats.org/officeDocument/2006/relationships" xmlns:p="http://schemas.openxmlformats.org/presentationml/2006/main">
+  <p:cSld>
+    <p:spTree>
+      <p:nvGrpSpPr>
+        <p:cNvPr id="1" name=""/>
+        <p:cNvGrpSpPr/>
+        <p:nvPr/>
+      </p:nvGrpSpPr>
+      <p:grpSpPr>
+        <a:xfrm>
+          <a:off x="0" y="0"/>
+          <a:ext cx="0" cy="0"/>
+          <a:chOff x="0" y="0"/>
+          <a:chExt cx="0" cy="0"/>
+        </a:xfrm>
+      </p:grpSpPr>
+      <p:sp>
+        <p:nvSpPr>
+          <p:cNvPr id="5" name="內容版面配置區 4"/>
+          <p:cNvSpPr>
+            <a:spLocks noGrp="1"/>
+          </p:cNvSpPr>
+          <p:nvPr>
+            <p:ph idx="1"/>
+          </p:nvPr>
+        </p:nvSpPr>
+        <p:spPr>
+          <a:xfrm>
+            <a:off x="0" y="2084851"/>
+            <a:ext cx="12192000" cy="2404863"/>
+          </a:xfrm>
+        </p:spPr>
+        <p:txBody>
+          <a:bodyPr anchor="ctr">
             <a:normAutofit/>
           </a:bodyPr>
           <a:lstStyle/>
           <a:p>
-            <a:r>
-              <a:rPr lang="zh-CN" altLang="en-US" sz="4800" b="1" dirty="0" smtClean="0">
-                <a:latin typeface="Microsoft JhengHei" panose="020B0604030504040204" pitchFamily="34" charset="-120"/>
-                <a:ea typeface="Microsoft JhengHei" panose="020B0604030504040204" pitchFamily="34" charset="-120"/>
-              </a:rPr>
-              <a:t>將你的器皿交給主</a:t>
-            </a:r>
-            <a:endParaRPr lang="vi-VN" sz="4800" b="1" dirty="0">
-              <a:ea typeface="Microsoft JhengHei" panose="020B0604030504040204" pitchFamily="34" charset="-120"/>
+            <a:pPr marL="0" indent="0" algn="ctr">
+              <a:buNone/>
+            </a:pPr>
+            <a:r>
+              <a:rPr lang="zh-CN" altLang="en-US" sz="6400" b="1" dirty="0">
+                <a:solidFill>
+                  <a:srgbClr val="660033"/>
+                </a:solidFill>
+                <a:latin typeface="Microsoft JhengHei" pitchFamily="34" charset="-120"/>
+                <a:ea typeface="Microsoft JhengHei" pitchFamily="34" charset="-120"/>
+              </a:rPr>
+              <a:t>主</a:t>
+            </a:r>
+            <a:r>
+              <a:rPr lang="zh-CN" altLang="en-US" sz="6400" b="1" dirty="0">
+                <a:solidFill>
+                  <a:srgbClr val="660033"/>
+                </a:solidFill>
+                <a:latin typeface="Microsoft JhengHei" pitchFamily="34" charset="-120"/>
+                <a:ea typeface="Microsoft JhengHei" pitchFamily="34" charset="-120"/>
+              </a:rPr>
+              <a:t>聖靈充滿心懷</a:t>
+            </a:r>
+            <a:endParaRPr lang="en-US" altLang="zh-CN" sz="6400" b="1" dirty="0">
+              <a:solidFill>
+                <a:srgbClr val="660033"/>
+              </a:solidFill>
+              <a:latin typeface="Microsoft JhengHei" pitchFamily="34" charset="-120"/>
+              <a:ea typeface="Microsoft JhengHei" pitchFamily="34" charset="-120"/>
             </a:endParaRPr>
           </a:p>
         </p:txBody>
       </p:sp>
       <p:sp>
         <p:nvSpPr>
-          <p:cNvPr id="3" name="Content Placeholder 2"/>
-          <p:cNvSpPr>
-            <a:spLocks noGrp="1"/>
-          </p:cNvSpPr>
-          <p:nvPr>
-            <p:ph idx="1"/>
-          </p:nvPr>
+          <p:cNvPr id="3" name="TextBox 2"/>
+          <p:cNvSpPr txBox="1"/>
+          <p:nvPr/>
         </p:nvSpPr>
         <p:spPr>
           <a:xfrm>
-            <a:off x="609600" y="1600201"/>
-            <a:ext cx="10972800" cy="5257799"/>
-          </a:xfrm>
-        </p:spPr>
-        <p:txBody>
-          <a:bodyPr>
-            <a:normAutofit/>
-          </a:bodyPr>
-          <a:lstStyle/>
-          <a:p>
-            <a:pPr marL="0" indent="0" algn="ctr">
-              <a:buNone/>
-            </a:pPr>
-            <a:r>
-              <a:rPr lang="zh-CN" altLang="en-US" sz="5400" b="1" dirty="0" smtClean="0">
-                <a:latin typeface="Microsoft JhengHei" panose="020B0604030504040204" pitchFamily="34" charset="-120"/>
-                <a:ea typeface="Microsoft JhengHei" panose="020B0604030504040204" pitchFamily="34" charset="-120"/>
-              </a:rPr>
-              <a:t>你心裏渴慕救主賜豐富</a:t>
-            </a:r>
-            <a:endParaRPr lang="en-US" altLang="zh-CN" sz="5400" b="1" dirty="0" smtClean="0">
-              <a:latin typeface="Microsoft JhengHei" panose="020B0604030504040204" pitchFamily="34" charset="-120"/>
-              <a:ea typeface="Microsoft JhengHei" panose="020B0604030504040204" pitchFamily="34" charset="-120"/>
-            </a:endParaRPr>
-          </a:p>
-          <a:p>
-            <a:pPr marL="0" indent="0" algn="ctr">
-              <a:buNone/>
-            </a:pPr>
-            <a:r>
-              <a:rPr lang="zh-CN" altLang="en-US" sz="5400" b="1" dirty="0" smtClean="0">
-                <a:latin typeface="Microsoft JhengHei" panose="020B0604030504040204" pitchFamily="34" charset="-120"/>
-                <a:ea typeface="Microsoft JhengHei" panose="020B0604030504040204" pitchFamily="34" charset="-120"/>
-              </a:rPr>
-              <a:t>生命福氣麼</a:t>
-            </a:r>
-            <a:endParaRPr lang="en-US" altLang="zh-CN" sz="5400" b="1" dirty="0" smtClean="0">
-              <a:latin typeface="Microsoft JhengHei" panose="020B0604030504040204" pitchFamily="34" charset="-120"/>
-              <a:ea typeface="Microsoft JhengHei" panose="020B0604030504040204" pitchFamily="34" charset="-120"/>
-            </a:endParaRPr>
-          </a:p>
-          <a:p>
-            <a:pPr marL="0" indent="0" algn="ctr">
-              <a:buNone/>
-            </a:pPr>
-            <a:r>
-              <a:rPr lang="zh-CN" altLang="en-US" sz="5400" b="1" dirty="0" smtClean="0">
-                <a:latin typeface="Microsoft JhengHei" panose="020B0604030504040204" pitchFamily="34" charset="-120"/>
-                <a:ea typeface="Microsoft JhengHei" panose="020B0604030504040204" pitchFamily="34" charset="-120"/>
-              </a:rPr>
-              <a:t>滿足你一切靈需</a:t>
-            </a:r>
-            <a:endParaRPr lang="en-US" altLang="zh-CN" sz="5400" b="1" dirty="0" smtClean="0">
-              <a:latin typeface="Microsoft JhengHei" panose="020B0604030504040204" pitchFamily="34" charset="-120"/>
-              <a:ea typeface="Microsoft JhengHei" panose="020B0604030504040204" pitchFamily="34" charset="-120"/>
-            </a:endParaRPr>
-          </a:p>
-          <a:p>
-            <a:pPr marL="0" indent="0" algn="ctr">
-              <a:buNone/>
-            </a:pPr>
-            <a:r>
-              <a:rPr lang="zh-CN" altLang="en-US" sz="5400" b="1" dirty="0" smtClean="0">
-                <a:latin typeface="Microsoft JhengHei" panose="020B0604030504040204" pitchFamily="34" charset="-120"/>
-                <a:ea typeface="Microsoft JhengHei" panose="020B0604030504040204" pitchFamily="34" charset="-120"/>
-              </a:rPr>
-              <a:t>當信天父奇妙應許</a:t>
-            </a:r>
-            <a:endParaRPr lang="en-US" altLang="zh-CN" sz="5400" b="1" dirty="0">
-              <a:latin typeface="Microsoft JhengHei" panose="020B0604030504040204" pitchFamily="34" charset="-120"/>
-              <a:ea typeface="Microsoft JhengHei" panose="020B0604030504040204" pitchFamily="34" charset="-120"/>
-            </a:endParaRPr>
-          </a:p>
-          <a:p>
-            <a:pPr marL="0" indent="0" algn="ctr">
-              <a:buNone/>
-            </a:pPr>
-            <a:r>
-              <a:rPr lang="zh-CN" altLang="en-US" sz="5400" b="1" dirty="0" smtClean="0">
-                <a:latin typeface="Microsoft JhengHei" panose="020B0604030504040204" pitchFamily="34" charset="-120"/>
-                <a:ea typeface="Microsoft JhengHei" panose="020B0604030504040204" pitchFamily="34" charset="-120"/>
-              </a:rPr>
-              <a:t>照主聖經的言語</a:t>
-            </a:r>
-            <a:r>
-              <a:rPr lang="en-US" altLang="zh-CN" sz="5400" b="1" dirty="0">
-                <a:latin typeface="Microsoft JhengHei" panose="020B0604030504040204" pitchFamily="34" charset="-120"/>
-                <a:ea typeface="Microsoft JhengHei" panose="020B0604030504040204" pitchFamily="34" charset="-120"/>
-              </a:rPr>
-              <a:t> </a:t>
-            </a:r>
-            <a:r>
-              <a:rPr lang="en-US" altLang="zh-CN" sz="5400" b="1" dirty="0" smtClean="0">
-                <a:latin typeface="Microsoft JhengHei" panose="020B0604030504040204" pitchFamily="34" charset="-120"/>
-                <a:ea typeface="Microsoft JhengHei" panose="020B0604030504040204" pitchFamily="34" charset="-120"/>
-              </a:rPr>
-              <a:t> </a:t>
-            </a:r>
-            <a:r>
-              <a:rPr lang="zh-CN" altLang="en-US" sz="5400" b="1" dirty="0" smtClean="0">
-                <a:latin typeface="Microsoft JhengHei" panose="020B0604030504040204" pitchFamily="34" charset="-120"/>
-                <a:ea typeface="Microsoft JhengHei" panose="020B0604030504040204" pitchFamily="34" charset="-120"/>
-              </a:rPr>
-              <a:t>救主必成全為你</a:t>
-            </a:r>
-            <a:endParaRPr lang="en-US" altLang="zh-CN" sz="5400" b="1" dirty="0" smtClean="0">
-              <a:latin typeface="Microsoft JhengHei" panose="020B0604030504040204" pitchFamily="34" charset="-120"/>
-              <a:ea typeface="Microsoft JhengHei" panose="020B0604030504040204" pitchFamily="34" charset="-120"/>
-            </a:endParaRPr>
-          </a:p>
-        </p:txBody>
-      </p:sp>
-      <p:sp>
-        <p:nvSpPr>
-          <p:cNvPr id="4" name="TextBox 3"/>
-          <p:cNvSpPr txBox="1"/>
-          <p:nvPr/>
-        </p:nvSpPr>
-        <p:spPr>
-          <a:xfrm>
-            <a:off x="609600" y="1600201"/>
-            <a:ext cx="834189" cy="923330"/>
+            <a:off x="0" y="5061182"/>
+            <a:ext cx="12192000" cy="830997"/>
           </a:xfrm>
           <a:prstGeom prst="rect">
             <a:avLst/>
@@ -3285,24 +3380,946 @@
           </a:bodyPr>
           <a:lstStyle/>
           <a:p>
-            <a:r>
-              <a:rPr lang="en-US" sz="5400" b="1" dirty="0" smtClean="0"/>
-              <a:t>1.</a:t>
-            </a:r>
-            <a:endParaRPr lang="vi-VN" sz="5400" b="1" dirty="0"/>
+            <a:pPr algn="ctr"/>
+            <a:r>
+              <a:rPr lang="en-US" sz="4800" b="1" dirty="0">
+                <a:solidFill>
+                  <a:srgbClr val="660033"/>
+                </a:solidFill>
+              </a:rPr>
+              <a:t>( 2 – 3 )</a:t>
+            </a:r>
+            <a:endParaRPr lang="vi-VN" sz="4800" b="1" dirty="0">
+              <a:solidFill>
+                <a:srgbClr val="660033"/>
+              </a:solidFill>
+            </a:endParaRPr>
           </a:p>
         </p:txBody>
       </p:sp>
     </p:spTree>
     <p:extLst>
       <p:ext uri="{BB962C8B-B14F-4D97-AF65-F5344CB8AC3E}">
-        <p14:creationId xmlns:p14="http://schemas.microsoft.com/office/powerpoint/2010/main" val="417796400"/>
+        <p14:creationId xmlns:p14="http://schemas.microsoft.com/office/powerpoint/2010/main" val="954991719"/>
       </p:ext>
     </p:extLst>
   </p:cSld>
   <p:clrMapOvr>
     <a:masterClrMapping/>
   </p:clrMapOvr>
+  <p:timing>
+    <p:tnLst>
+      <p:par>
+        <p:cTn id="1" dur="indefinite" restart="never" nodeType="tmRoot"/>
+      </p:par>
+    </p:tnLst>
+  </p:timing>
+</p:sld>
+</file>
+
+<file path=ppt/slides/slide11.xml><?xml version="1.0" encoding="utf-8"?>
+<p:sld xmlns:a="http://schemas.openxmlformats.org/drawingml/2006/main" xmlns:r="http://schemas.openxmlformats.org/officeDocument/2006/relationships" xmlns:p="http://schemas.openxmlformats.org/presentationml/2006/main">
+  <p:cSld>
+    <p:spTree>
+      <p:nvGrpSpPr>
+        <p:cNvPr id="1" name=""/>
+        <p:cNvGrpSpPr/>
+        <p:nvPr/>
+      </p:nvGrpSpPr>
+      <p:grpSpPr>
+        <a:xfrm>
+          <a:off x="0" y="0"/>
+          <a:ext cx="0" cy="0"/>
+          <a:chOff x="0" y="0"/>
+          <a:chExt cx="0" cy="0"/>
+        </a:xfrm>
+      </p:grpSpPr>
+      <p:sp>
+        <p:nvSpPr>
+          <p:cNvPr id="5" name="內容版面配置區 4"/>
+          <p:cNvSpPr>
+            <a:spLocks noGrp="1"/>
+          </p:cNvSpPr>
+          <p:nvPr>
+            <p:ph idx="1"/>
+          </p:nvPr>
+        </p:nvSpPr>
+        <p:spPr>
+          <a:xfrm>
+            <a:off x="0" y="2084851"/>
+            <a:ext cx="12192000" cy="2404863"/>
+          </a:xfrm>
+        </p:spPr>
+        <p:txBody>
+          <a:bodyPr anchor="ctr">
+            <a:normAutofit/>
+          </a:bodyPr>
+          <a:lstStyle/>
+          <a:p>
+            <a:pPr marL="0" indent="0" algn="ctr">
+              <a:buNone/>
+            </a:pPr>
+            <a:r>
+              <a:rPr lang="zh-CN" altLang="en-US" sz="6400" b="1" dirty="0">
+                <a:solidFill>
+                  <a:srgbClr val="660033"/>
+                </a:solidFill>
+                <a:latin typeface="Microsoft JhengHei" pitchFamily="34" charset="-120"/>
+                <a:ea typeface="Microsoft JhengHei" pitchFamily="34" charset="-120"/>
+              </a:rPr>
+              <a:t>現在主要充滿你心直到滿溢</a:t>
+            </a:r>
+            <a:endParaRPr lang="en-US" altLang="zh-CN" sz="6400" b="1" dirty="0">
+              <a:solidFill>
+                <a:srgbClr val="660033"/>
+              </a:solidFill>
+              <a:latin typeface="Microsoft JhengHei" pitchFamily="34" charset="-120"/>
+              <a:ea typeface="Microsoft JhengHei" pitchFamily="34" charset="-120"/>
+            </a:endParaRPr>
+          </a:p>
+          <a:p>
+            <a:pPr marL="0" indent="0" algn="ctr">
+              <a:buNone/>
+            </a:pPr>
+            <a:r>
+              <a:rPr lang="zh-CN" altLang="en-US" sz="6400" b="1" dirty="0">
+                <a:solidFill>
+                  <a:srgbClr val="660033"/>
+                </a:solidFill>
+                <a:latin typeface="Microsoft JhengHei" pitchFamily="34" charset="-120"/>
+                <a:ea typeface="Microsoft JhengHei" pitchFamily="34" charset="-120"/>
+              </a:rPr>
+              <a:t>你要將心靈才幹</a:t>
+            </a:r>
+            <a:endParaRPr lang="en-US" altLang="zh-CN" sz="6400" b="1" dirty="0">
+              <a:solidFill>
+                <a:srgbClr val="660033"/>
+              </a:solidFill>
+              <a:latin typeface="Microsoft JhengHei" pitchFamily="34" charset="-120"/>
+              <a:ea typeface="Microsoft JhengHei" pitchFamily="34" charset="-120"/>
+            </a:endParaRPr>
+          </a:p>
+        </p:txBody>
+      </p:sp>
+    </p:spTree>
+    <p:extLst>
+      <p:ext uri="{BB962C8B-B14F-4D97-AF65-F5344CB8AC3E}">
+        <p14:creationId xmlns:p14="http://schemas.microsoft.com/office/powerpoint/2010/main" val="3662272427"/>
+      </p:ext>
+    </p:extLst>
+  </p:cSld>
+  <p:clrMapOvr>
+    <a:masterClrMapping/>
+  </p:clrMapOvr>
+  <p:timing>
+    <p:tnLst>
+      <p:par>
+        <p:cTn id="1" dur="indefinite" restart="never" nodeType="tmRoot"/>
+      </p:par>
+    </p:tnLst>
+  </p:timing>
+</p:sld>
+</file>
+
+<file path=ppt/slides/slide12.xml><?xml version="1.0" encoding="utf-8"?>
+<p:sld xmlns:a="http://schemas.openxmlformats.org/drawingml/2006/main" xmlns:r="http://schemas.openxmlformats.org/officeDocument/2006/relationships" xmlns:p="http://schemas.openxmlformats.org/presentationml/2006/main">
+  <p:cSld>
+    <p:spTree>
+      <p:nvGrpSpPr>
+        <p:cNvPr id="1" name=""/>
+        <p:cNvGrpSpPr/>
+        <p:nvPr/>
+      </p:nvGrpSpPr>
+      <p:grpSpPr>
+        <a:xfrm>
+          <a:off x="0" y="0"/>
+          <a:ext cx="0" cy="0"/>
+          <a:chOff x="0" y="0"/>
+          <a:chExt cx="0" cy="0"/>
+        </a:xfrm>
+      </p:grpSpPr>
+      <p:sp>
+        <p:nvSpPr>
+          <p:cNvPr id="5" name="內容版面配置區 4"/>
+          <p:cNvSpPr>
+            <a:spLocks noGrp="1"/>
+          </p:cNvSpPr>
+          <p:nvPr>
+            <p:ph idx="1"/>
+          </p:nvPr>
+        </p:nvSpPr>
+        <p:spPr>
+          <a:xfrm>
+            <a:off x="0" y="2084851"/>
+            <a:ext cx="12192000" cy="2404863"/>
+          </a:xfrm>
+        </p:spPr>
+        <p:txBody>
+          <a:bodyPr anchor="ctr">
+            <a:normAutofit/>
+          </a:bodyPr>
+          <a:lstStyle/>
+          <a:p>
+            <a:pPr marL="0" indent="0" algn="ctr">
+              <a:buNone/>
+            </a:pPr>
+            <a:r>
+              <a:rPr lang="zh-CN" altLang="en-US" sz="6400" b="1" dirty="0">
+                <a:solidFill>
+                  <a:srgbClr val="660033"/>
+                </a:solidFill>
+                <a:latin typeface="Microsoft JhengHei" pitchFamily="34" charset="-120"/>
+                <a:ea typeface="Microsoft JhengHei" pitchFamily="34" charset="-120"/>
+              </a:rPr>
+              <a:t>如空皿交主手裏</a:t>
+            </a:r>
+            <a:endParaRPr lang="en-US" altLang="zh-CN" sz="6400" b="1" dirty="0">
+              <a:solidFill>
+                <a:srgbClr val="660033"/>
+              </a:solidFill>
+              <a:latin typeface="Microsoft JhengHei" pitchFamily="34" charset="-120"/>
+              <a:ea typeface="Microsoft JhengHei" pitchFamily="34" charset="-120"/>
+            </a:endParaRPr>
+          </a:p>
+          <a:p>
+            <a:pPr marL="0" indent="0" algn="ctr">
+              <a:buNone/>
+            </a:pPr>
+            <a:r>
+              <a:rPr lang="zh-CN" altLang="en-US" sz="6400" b="1" dirty="0">
+                <a:solidFill>
+                  <a:srgbClr val="660033"/>
+                </a:solidFill>
+                <a:latin typeface="Microsoft JhengHei" pitchFamily="34" charset="-120"/>
+                <a:ea typeface="Microsoft JhengHei" pitchFamily="34" charset="-120"/>
+              </a:rPr>
+              <a:t>現在主要充滿你心直到滿溢</a:t>
+            </a:r>
+            <a:endParaRPr lang="en-US" altLang="zh-CN" sz="6400" b="1" dirty="0">
+              <a:solidFill>
+                <a:srgbClr val="660033"/>
+              </a:solidFill>
+              <a:latin typeface="Microsoft JhengHei" pitchFamily="34" charset="-120"/>
+              <a:ea typeface="Microsoft JhengHei" pitchFamily="34" charset="-120"/>
+            </a:endParaRPr>
+          </a:p>
+        </p:txBody>
+      </p:sp>
+    </p:spTree>
+    <p:extLst>
+      <p:ext uri="{BB962C8B-B14F-4D97-AF65-F5344CB8AC3E}">
+        <p14:creationId xmlns:p14="http://schemas.microsoft.com/office/powerpoint/2010/main" val="1347048362"/>
+      </p:ext>
+    </p:extLst>
+  </p:cSld>
+  <p:clrMapOvr>
+    <a:masterClrMapping/>
+  </p:clrMapOvr>
+  <p:timing>
+    <p:tnLst>
+      <p:par>
+        <p:cTn id="1" dur="indefinite" restart="never" nodeType="tmRoot"/>
+      </p:par>
+    </p:tnLst>
+  </p:timing>
+</p:sld>
+</file>
+
+<file path=ppt/slides/slide13.xml><?xml version="1.0" encoding="utf-8"?>
+<p:sld xmlns:a="http://schemas.openxmlformats.org/drawingml/2006/main" xmlns:r="http://schemas.openxmlformats.org/officeDocument/2006/relationships" xmlns:p="http://schemas.openxmlformats.org/presentationml/2006/main">
+  <p:cSld>
+    <p:spTree>
+      <p:nvGrpSpPr>
+        <p:cNvPr id="1" name=""/>
+        <p:cNvGrpSpPr/>
+        <p:nvPr/>
+      </p:nvGrpSpPr>
+      <p:grpSpPr>
+        <a:xfrm>
+          <a:off x="0" y="0"/>
+          <a:ext cx="0" cy="0"/>
+          <a:chOff x="0" y="0"/>
+          <a:chExt cx="0" cy="0"/>
+        </a:xfrm>
+      </p:grpSpPr>
+      <p:sp>
+        <p:nvSpPr>
+          <p:cNvPr id="5" name="內容版面配置區 4"/>
+          <p:cNvSpPr>
+            <a:spLocks noGrp="1"/>
+          </p:cNvSpPr>
+          <p:nvPr>
+            <p:ph idx="1"/>
+          </p:nvPr>
+        </p:nvSpPr>
+        <p:spPr>
+          <a:xfrm>
+            <a:off x="0" y="2084851"/>
+            <a:ext cx="12192000" cy="2404863"/>
+          </a:xfrm>
+        </p:spPr>
+        <p:txBody>
+          <a:bodyPr anchor="ctr">
+            <a:normAutofit/>
+          </a:bodyPr>
+          <a:lstStyle/>
+          <a:p>
+            <a:pPr marL="0" indent="0" algn="ctr">
+              <a:buNone/>
+            </a:pPr>
+            <a:r>
+              <a:rPr lang="zh-CN" altLang="en-US" sz="6400" b="1" dirty="0">
+                <a:solidFill>
+                  <a:srgbClr val="660033"/>
+                </a:solidFill>
+                <a:latin typeface="Microsoft JhengHei" pitchFamily="34" charset="-120"/>
+                <a:ea typeface="Microsoft JhengHei" pitchFamily="34" charset="-120"/>
+              </a:rPr>
+              <a:t>充滿聖靈與能力</a:t>
+            </a:r>
+            <a:endParaRPr lang="en-US" altLang="zh-CN" sz="6400" b="1" dirty="0">
+              <a:solidFill>
+                <a:srgbClr val="660033"/>
+              </a:solidFill>
+              <a:latin typeface="Microsoft JhengHei" pitchFamily="34" charset="-120"/>
+              <a:ea typeface="Microsoft JhengHei" pitchFamily="34" charset="-120"/>
+            </a:endParaRPr>
+          </a:p>
+        </p:txBody>
+      </p:sp>
+    </p:spTree>
+    <p:extLst>
+      <p:ext uri="{BB962C8B-B14F-4D97-AF65-F5344CB8AC3E}">
+        <p14:creationId xmlns:p14="http://schemas.microsoft.com/office/powerpoint/2010/main" val="1522333961"/>
+      </p:ext>
+    </p:extLst>
+  </p:cSld>
+  <p:clrMapOvr>
+    <a:masterClrMapping/>
+  </p:clrMapOvr>
+  <p:timing>
+    <p:tnLst>
+      <p:par>
+        <p:cTn id="1" dur="indefinite" restart="never" nodeType="tmRoot"/>
+      </p:par>
+    </p:tnLst>
+  </p:timing>
+</p:sld>
+</file>
+
+<file path=ppt/slides/slide14.xml><?xml version="1.0" encoding="utf-8"?>
+<p:sld xmlns:a="http://schemas.openxmlformats.org/drawingml/2006/main" xmlns:r="http://schemas.openxmlformats.org/officeDocument/2006/relationships" xmlns:p="http://schemas.openxmlformats.org/presentationml/2006/main">
+  <p:cSld>
+    <p:spTree>
+      <p:nvGrpSpPr>
+        <p:cNvPr id="1" name=""/>
+        <p:cNvGrpSpPr/>
+        <p:nvPr/>
+      </p:nvGrpSpPr>
+      <p:grpSpPr>
+        <a:xfrm>
+          <a:off x="0" y="0"/>
+          <a:ext cx="0" cy="0"/>
+          <a:chOff x="0" y="0"/>
+          <a:chExt cx="0" cy="0"/>
+        </a:xfrm>
+      </p:grpSpPr>
+      <p:sp>
+        <p:nvSpPr>
+          <p:cNvPr id="5" name="內容版面配置區 4"/>
+          <p:cNvSpPr>
+            <a:spLocks noGrp="1"/>
+          </p:cNvSpPr>
+          <p:nvPr>
+            <p:ph idx="1"/>
+          </p:nvPr>
+        </p:nvSpPr>
+        <p:spPr>
+          <a:xfrm>
+            <a:off x="0" y="2084851"/>
+            <a:ext cx="12192000" cy="2404863"/>
+          </a:xfrm>
+        </p:spPr>
+        <p:txBody>
+          <a:bodyPr anchor="ctr">
+            <a:normAutofit/>
+          </a:bodyPr>
+          <a:lstStyle/>
+          <a:p>
+            <a:pPr marL="0" indent="0" algn="ctr">
+              <a:buNone/>
+            </a:pPr>
+            <a:r>
+              <a:rPr lang="zh-CN" altLang="en-US" sz="6400" b="1" dirty="0">
+                <a:solidFill>
+                  <a:srgbClr val="660033"/>
+                </a:solidFill>
+                <a:latin typeface="Microsoft JhengHei" pitchFamily="34" charset="-120"/>
+                <a:ea typeface="Microsoft JhengHei" pitchFamily="34" charset="-120"/>
+              </a:rPr>
+              <a:t>像昔日寡婦油瓶救主鴻恩</a:t>
+            </a:r>
+            <a:endParaRPr lang="en-US" altLang="zh-CN" sz="6400" b="1" dirty="0">
+              <a:solidFill>
+                <a:srgbClr val="660033"/>
+              </a:solidFill>
+              <a:latin typeface="Microsoft JhengHei" pitchFamily="34" charset="-120"/>
+              <a:ea typeface="Microsoft JhengHei" pitchFamily="34" charset="-120"/>
+            </a:endParaRPr>
+          </a:p>
+          <a:p>
+            <a:pPr marL="0" indent="0" algn="ctr">
+              <a:buNone/>
+            </a:pPr>
+            <a:r>
+              <a:rPr lang="zh-CN" altLang="en-US" sz="6400" b="1" dirty="0">
+                <a:solidFill>
+                  <a:srgbClr val="660033"/>
+                </a:solidFill>
+                <a:latin typeface="Microsoft JhengHei" pitchFamily="34" charset="-120"/>
+                <a:ea typeface="Microsoft JhengHei" pitchFamily="34" charset="-120"/>
+              </a:rPr>
+              <a:t>無窮無</a:t>
+            </a:r>
+            <a:r>
+              <a:rPr lang="zh-CN" altLang="en-US" sz="6400" b="1" dirty="0">
+                <a:solidFill>
+                  <a:srgbClr val="660033"/>
+                </a:solidFill>
+                <a:latin typeface="Microsoft JhengHei" pitchFamily="34" charset="-120"/>
+                <a:ea typeface="Microsoft JhengHei" pitchFamily="34" charset="-120"/>
+              </a:rPr>
+              <a:t>盡</a:t>
+            </a:r>
+            <a:r>
+              <a:rPr lang="en-US" altLang="zh-CN" sz="6400" b="1" dirty="0">
+                <a:solidFill>
+                  <a:srgbClr val="660033"/>
+                </a:solidFill>
+                <a:latin typeface="Microsoft JhengHei" pitchFamily="34" charset="-120"/>
+                <a:ea typeface="Microsoft JhengHei" pitchFamily="34" charset="-120"/>
+              </a:rPr>
+              <a:t>   </a:t>
+            </a:r>
+            <a:r>
+              <a:rPr lang="zh-CN" altLang="en-US" sz="6400" b="1" dirty="0">
+                <a:solidFill>
+                  <a:srgbClr val="660033"/>
+                </a:solidFill>
+                <a:latin typeface="Microsoft JhengHei" pitchFamily="34" charset="-120"/>
+                <a:ea typeface="Microsoft JhengHei" pitchFamily="34" charset="-120"/>
+              </a:rPr>
+              <a:t>主</a:t>
+            </a:r>
+            <a:r>
+              <a:rPr lang="zh-CN" altLang="en-US" sz="6400" b="1" dirty="0">
+                <a:solidFill>
+                  <a:srgbClr val="660033"/>
+                </a:solidFill>
+                <a:latin typeface="Microsoft JhengHei" pitchFamily="34" charset="-120"/>
+                <a:ea typeface="Microsoft JhengHei" pitchFamily="34" charset="-120"/>
+              </a:rPr>
+              <a:t>的愛永無更變</a:t>
+            </a:r>
+            <a:endParaRPr lang="en-US" altLang="zh-CN" sz="6400" b="1" dirty="0">
+              <a:solidFill>
+                <a:srgbClr val="660033"/>
+              </a:solidFill>
+              <a:latin typeface="Microsoft JhengHei" pitchFamily="34" charset="-120"/>
+              <a:ea typeface="Microsoft JhengHei" pitchFamily="34" charset="-120"/>
+            </a:endParaRPr>
+          </a:p>
+        </p:txBody>
+      </p:sp>
+      <p:sp>
+        <p:nvSpPr>
+          <p:cNvPr id="3" name="TextBox 2"/>
+          <p:cNvSpPr txBox="1"/>
+          <p:nvPr/>
+        </p:nvSpPr>
+        <p:spPr>
+          <a:xfrm>
+            <a:off x="0" y="5061182"/>
+            <a:ext cx="12192000" cy="830997"/>
+          </a:xfrm>
+          <a:prstGeom prst="rect">
+            <a:avLst/>
+          </a:prstGeom>
+          <a:noFill/>
+        </p:spPr>
+        <p:txBody>
+          <a:bodyPr wrap="square" rtlCol="0">
+            <a:spAutoFit/>
+          </a:bodyPr>
+          <a:lstStyle/>
+          <a:p>
+            <a:pPr algn="ctr"/>
+            <a:r>
+              <a:rPr lang="en-US" sz="4800" b="1" dirty="0">
+                <a:solidFill>
+                  <a:srgbClr val="660033"/>
+                </a:solidFill>
+              </a:rPr>
+              <a:t>( 3 – 3 )</a:t>
+            </a:r>
+            <a:endParaRPr lang="vi-VN" sz="4800" b="1" dirty="0">
+              <a:solidFill>
+                <a:srgbClr val="660033"/>
+              </a:solidFill>
+            </a:endParaRPr>
+          </a:p>
+        </p:txBody>
+      </p:sp>
+    </p:spTree>
+    <p:extLst>
+      <p:ext uri="{BB962C8B-B14F-4D97-AF65-F5344CB8AC3E}">
+        <p14:creationId xmlns:p14="http://schemas.microsoft.com/office/powerpoint/2010/main" val="3520038284"/>
+      </p:ext>
+    </p:extLst>
+  </p:cSld>
+  <p:clrMapOvr>
+    <a:masterClrMapping/>
+  </p:clrMapOvr>
+  <p:timing>
+    <p:tnLst>
+      <p:par>
+        <p:cTn id="1" dur="indefinite" restart="never" nodeType="tmRoot"/>
+      </p:par>
+    </p:tnLst>
+  </p:timing>
+</p:sld>
+</file>
+
+<file path=ppt/slides/slide15.xml><?xml version="1.0" encoding="utf-8"?>
+<p:sld xmlns:a="http://schemas.openxmlformats.org/drawingml/2006/main" xmlns:r="http://schemas.openxmlformats.org/officeDocument/2006/relationships" xmlns:p="http://schemas.openxmlformats.org/presentationml/2006/main">
+  <p:cSld>
+    <p:spTree>
+      <p:nvGrpSpPr>
+        <p:cNvPr id="1" name=""/>
+        <p:cNvGrpSpPr/>
+        <p:nvPr/>
+      </p:nvGrpSpPr>
+      <p:grpSpPr>
+        <a:xfrm>
+          <a:off x="0" y="0"/>
+          <a:ext cx="0" cy="0"/>
+          <a:chOff x="0" y="0"/>
+          <a:chExt cx="0" cy="0"/>
+        </a:xfrm>
+      </p:grpSpPr>
+      <p:sp>
+        <p:nvSpPr>
+          <p:cNvPr id="5" name="內容版面配置區 4"/>
+          <p:cNvSpPr>
+            <a:spLocks noGrp="1"/>
+          </p:cNvSpPr>
+          <p:nvPr>
+            <p:ph idx="1"/>
+          </p:nvPr>
+        </p:nvSpPr>
+        <p:spPr>
+          <a:xfrm>
+            <a:off x="0" y="2084851"/>
+            <a:ext cx="12192000" cy="2404863"/>
+          </a:xfrm>
+        </p:spPr>
+        <p:txBody>
+          <a:bodyPr anchor="ctr">
+            <a:normAutofit/>
+          </a:bodyPr>
+          <a:lstStyle/>
+          <a:p>
+            <a:pPr marL="0" indent="0" algn="ctr">
+              <a:buNone/>
+            </a:pPr>
+            <a:r>
+              <a:rPr lang="zh-CN" altLang="en-US" sz="6400" b="1" dirty="0">
+                <a:solidFill>
+                  <a:srgbClr val="660033"/>
+                </a:solidFill>
+                <a:latin typeface="Microsoft JhengHei" pitchFamily="34" charset="-120"/>
+                <a:ea typeface="Microsoft JhengHei" pitchFamily="34" charset="-120"/>
+              </a:rPr>
+              <a:t>救主已應許賜下真理</a:t>
+            </a:r>
+            <a:endParaRPr lang="en-US" altLang="zh-CN" sz="6400" b="1" dirty="0">
+              <a:solidFill>
+                <a:srgbClr val="660033"/>
+              </a:solidFill>
+              <a:latin typeface="Microsoft JhengHei" pitchFamily="34" charset="-120"/>
+              <a:ea typeface="Microsoft JhengHei" pitchFamily="34" charset="-120"/>
+            </a:endParaRPr>
+          </a:p>
+          <a:p>
+            <a:pPr marL="0" indent="0" algn="ctr">
+              <a:buNone/>
+            </a:pPr>
+            <a:r>
+              <a:rPr lang="zh-CN" altLang="en-US" sz="6400" b="1" dirty="0">
+                <a:solidFill>
+                  <a:srgbClr val="660033"/>
+                </a:solidFill>
+                <a:latin typeface="Microsoft JhengHei" pitchFamily="34" charset="-120"/>
+                <a:ea typeface="Microsoft JhengHei" pitchFamily="34" charset="-120"/>
+              </a:rPr>
+              <a:t>聖靈與大能力  主要充滿各器皿</a:t>
+            </a:r>
+            <a:endParaRPr lang="en-US" altLang="zh-CN" sz="6400" b="1" dirty="0">
+              <a:solidFill>
+                <a:srgbClr val="660033"/>
+              </a:solidFill>
+              <a:latin typeface="Microsoft JhengHei" pitchFamily="34" charset="-120"/>
+              <a:ea typeface="Microsoft JhengHei" pitchFamily="34" charset="-120"/>
+            </a:endParaRPr>
+          </a:p>
+        </p:txBody>
+      </p:sp>
+      <p:sp>
+        <p:nvSpPr>
+          <p:cNvPr id="3" name="TextBox 2"/>
+          <p:cNvSpPr txBox="1"/>
+          <p:nvPr/>
+        </p:nvSpPr>
+        <p:spPr>
+          <a:xfrm>
+            <a:off x="0" y="5061182"/>
+            <a:ext cx="12192000" cy="830997"/>
+          </a:xfrm>
+          <a:prstGeom prst="rect">
+            <a:avLst/>
+          </a:prstGeom>
+          <a:noFill/>
+        </p:spPr>
+        <p:txBody>
+          <a:bodyPr wrap="square" rtlCol="0">
+            <a:spAutoFit/>
+          </a:bodyPr>
+          <a:lstStyle/>
+          <a:p>
+            <a:pPr algn="ctr"/>
+            <a:r>
+              <a:rPr lang="en-US" sz="4800" b="1" dirty="0">
+                <a:solidFill>
+                  <a:srgbClr val="660033"/>
+                </a:solidFill>
+              </a:rPr>
+              <a:t>( 3 – 3 )</a:t>
+            </a:r>
+            <a:endParaRPr lang="vi-VN" sz="4800" b="1" dirty="0">
+              <a:solidFill>
+                <a:srgbClr val="660033"/>
+              </a:solidFill>
+            </a:endParaRPr>
+          </a:p>
+        </p:txBody>
+      </p:sp>
+    </p:spTree>
+    <p:extLst>
+      <p:ext uri="{BB962C8B-B14F-4D97-AF65-F5344CB8AC3E}">
+        <p14:creationId xmlns:p14="http://schemas.microsoft.com/office/powerpoint/2010/main" val="217639962"/>
+      </p:ext>
+    </p:extLst>
+  </p:cSld>
+  <p:clrMapOvr>
+    <a:masterClrMapping/>
+  </p:clrMapOvr>
+  <p:timing>
+    <p:tnLst>
+      <p:par>
+        <p:cTn id="1" dur="indefinite" restart="never" nodeType="tmRoot"/>
+      </p:par>
+    </p:tnLst>
+  </p:timing>
+</p:sld>
+</file>
+
+<file path=ppt/slides/slide16.xml><?xml version="1.0" encoding="utf-8"?>
+<p:sld xmlns:a="http://schemas.openxmlformats.org/drawingml/2006/main" xmlns:r="http://schemas.openxmlformats.org/officeDocument/2006/relationships" xmlns:p="http://schemas.openxmlformats.org/presentationml/2006/main">
+  <p:cSld>
+    <p:spTree>
+      <p:nvGrpSpPr>
+        <p:cNvPr id="1" name=""/>
+        <p:cNvGrpSpPr/>
+        <p:nvPr/>
+      </p:nvGrpSpPr>
+      <p:grpSpPr>
+        <a:xfrm>
+          <a:off x="0" y="0"/>
+          <a:ext cx="0" cy="0"/>
+          <a:chOff x="0" y="0"/>
+          <a:chExt cx="0" cy="0"/>
+        </a:xfrm>
+      </p:grpSpPr>
+      <p:sp>
+        <p:nvSpPr>
+          <p:cNvPr id="5" name="內容版面配置區 4"/>
+          <p:cNvSpPr>
+            <a:spLocks noGrp="1"/>
+          </p:cNvSpPr>
+          <p:nvPr>
+            <p:ph idx="1"/>
+          </p:nvPr>
+        </p:nvSpPr>
+        <p:spPr>
+          <a:xfrm>
+            <a:off x="0" y="2084851"/>
+            <a:ext cx="12192000" cy="2404863"/>
+          </a:xfrm>
+        </p:spPr>
+        <p:txBody>
+          <a:bodyPr anchor="ctr">
+            <a:normAutofit/>
+          </a:bodyPr>
+          <a:lstStyle/>
+          <a:p>
+            <a:pPr marL="0" indent="0" algn="ctr">
+              <a:buNone/>
+            </a:pPr>
+            <a:r>
+              <a:rPr lang="zh-CN" altLang="en-US" sz="6400" b="1" dirty="0">
+                <a:solidFill>
+                  <a:srgbClr val="660033"/>
+                </a:solidFill>
+                <a:latin typeface="Microsoft JhengHei" pitchFamily="34" charset="-120"/>
+                <a:ea typeface="Microsoft JhengHei" pitchFamily="34" charset="-120"/>
+              </a:rPr>
+              <a:t>現在主要充滿你心直到滿溢</a:t>
+            </a:r>
+            <a:endParaRPr lang="en-US" altLang="zh-CN" sz="6400" b="1" dirty="0">
+              <a:solidFill>
+                <a:srgbClr val="660033"/>
+              </a:solidFill>
+              <a:latin typeface="Microsoft JhengHei" pitchFamily="34" charset="-120"/>
+              <a:ea typeface="Microsoft JhengHei" pitchFamily="34" charset="-120"/>
+            </a:endParaRPr>
+          </a:p>
+          <a:p>
+            <a:pPr marL="0" indent="0" algn="ctr">
+              <a:buNone/>
+            </a:pPr>
+            <a:r>
+              <a:rPr lang="zh-CN" altLang="en-US" sz="6400" b="1" dirty="0">
+                <a:solidFill>
+                  <a:srgbClr val="660033"/>
+                </a:solidFill>
+                <a:latin typeface="Microsoft JhengHei" pitchFamily="34" charset="-120"/>
+                <a:ea typeface="Microsoft JhengHei" pitchFamily="34" charset="-120"/>
+              </a:rPr>
+              <a:t>你要將心靈才幹</a:t>
+            </a:r>
+            <a:endParaRPr lang="en-US" altLang="zh-CN" sz="6400" b="1" dirty="0">
+              <a:solidFill>
+                <a:srgbClr val="660033"/>
+              </a:solidFill>
+              <a:latin typeface="Microsoft JhengHei" pitchFamily="34" charset="-120"/>
+              <a:ea typeface="Microsoft JhengHei" pitchFamily="34" charset="-120"/>
+            </a:endParaRPr>
+          </a:p>
+        </p:txBody>
+      </p:sp>
+    </p:spTree>
+    <p:extLst>
+      <p:ext uri="{BB962C8B-B14F-4D97-AF65-F5344CB8AC3E}">
+        <p14:creationId xmlns:p14="http://schemas.microsoft.com/office/powerpoint/2010/main" val="1744141416"/>
+      </p:ext>
+    </p:extLst>
+  </p:cSld>
+  <p:clrMapOvr>
+    <a:masterClrMapping/>
+  </p:clrMapOvr>
+  <p:timing>
+    <p:tnLst>
+      <p:par>
+        <p:cTn id="1" dur="indefinite" restart="never" nodeType="tmRoot"/>
+      </p:par>
+    </p:tnLst>
+  </p:timing>
+</p:sld>
+</file>
+
+<file path=ppt/slides/slide17.xml><?xml version="1.0" encoding="utf-8"?>
+<p:sld xmlns:a="http://schemas.openxmlformats.org/drawingml/2006/main" xmlns:r="http://schemas.openxmlformats.org/officeDocument/2006/relationships" xmlns:p="http://schemas.openxmlformats.org/presentationml/2006/main">
+  <p:cSld>
+    <p:spTree>
+      <p:nvGrpSpPr>
+        <p:cNvPr id="1" name=""/>
+        <p:cNvGrpSpPr/>
+        <p:nvPr/>
+      </p:nvGrpSpPr>
+      <p:grpSpPr>
+        <a:xfrm>
+          <a:off x="0" y="0"/>
+          <a:ext cx="0" cy="0"/>
+          <a:chOff x="0" y="0"/>
+          <a:chExt cx="0" cy="0"/>
+        </a:xfrm>
+      </p:grpSpPr>
+      <p:sp>
+        <p:nvSpPr>
+          <p:cNvPr id="5" name="內容版面配置區 4"/>
+          <p:cNvSpPr>
+            <a:spLocks noGrp="1"/>
+          </p:cNvSpPr>
+          <p:nvPr>
+            <p:ph idx="1"/>
+          </p:nvPr>
+        </p:nvSpPr>
+        <p:spPr>
+          <a:xfrm>
+            <a:off x="0" y="2084851"/>
+            <a:ext cx="12192000" cy="2404863"/>
+          </a:xfrm>
+        </p:spPr>
+        <p:txBody>
+          <a:bodyPr anchor="ctr">
+            <a:normAutofit/>
+          </a:bodyPr>
+          <a:lstStyle/>
+          <a:p>
+            <a:pPr marL="0" indent="0" algn="ctr">
+              <a:buNone/>
+            </a:pPr>
+            <a:r>
+              <a:rPr lang="zh-CN" altLang="en-US" sz="6400" b="1" dirty="0">
+                <a:solidFill>
+                  <a:srgbClr val="660033"/>
+                </a:solidFill>
+                <a:latin typeface="Microsoft JhengHei" pitchFamily="34" charset="-120"/>
+                <a:ea typeface="Microsoft JhengHei" pitchFamily="34" charset="-120"/>
+              </a:rPr>
+              <a:t>如空皿交主手裏</a:t>
+            </a:r>
+            <a:endParaRPr lang="en-US" altLang="zh-CN" sz="6400" b="1" dirty="0">
+              <a:solidFill>
+                <a:srgbClr val="660033"/>
+              </a:solidFill>
+              <a:latin typeface="Microsoft JhengHei" pitchFamily="34" charset="-120"/>
+              <a:ea typeface="Microsoft JhengHei" pitchFamily="34" charset="-120"/>
+            </a:endParaRPr>
+          </a:p>
+          <a:p>
+            <a:pPr marL="0" indent="0" algn="ctr">
+              <a:buNone/>
+            </a:pPr>
+            <a:r>
+              <a:rPr lang="zh-CN" altLang="en-US" sz="6400" b="1" dirty="0">
+                <a:solidFill>
+                  <a:srgbClr val="660033"/>
+                </a:solidFill>
+                <a:latin typeface="Microsoft JhengHei" pitchFamily="34" charset="-120"/>
+                <a:ea typeface="Microsoft JhengHei" pitchFamily="34" charset="-120"/>
+              </a:rPr>
+              <a:t>現在主要充滿你心直到滿溢</a:t>
+            </a:r>
+            <a:endParaRPr lang="en-US" altLang="zh-CN" sz="6400" b="1" dirty="0">
+              <a:solidFill>
+                <a:srgbClr val="660033"/>
+              </a:solidFill>
+              <a:latin typeface="Microsoft JhengHei" pitchFamily="34" charset="-120"/>
+              <a:ea typeface="Microsoft JhengHei" pitchFamily="34" charset="-120"/>
+            </a:endParaRPr>
+          </a:p>
+        </p:txBody>
+      </p:sp>
+    </p:spTree>
+    <p:extLst>
+      <p:ext uri="{BB962C8B-B14F-4D97-AF65-F5344CB8AC3E}">
+        <p14:creationId xmlns:p14="http://schemas.microsoft.com/office/powerpoint/2010/main" val="1030686716"/>
+      </p:ext>
+    </p:extLst>
+  </p:cSld>
+  <p:clrMapOvr>
+    <a:masterClrMapping/>
+  </p:clrMapOvr>
+  <p:timing>
+    <p:tnLst>
+      <p:par>
+        <p:cTn id="1" dur="indefinite" restart="never" nodeType="tmRoot"/>
+      </p:par>
+    </p:tnLst>
+  </p:timing>
+</p:sld>
+</file>
+
+<file path=ppt/slides/slide18.xml><?xml version="1.0" encoding="utf-8"?>
+<p:sld xmlns:a="http://schemas.openxmlformats.org/drawingml/2006/main" xmlns:r="http://schemas.openxmlformats.org/officeDocument/2006/relationships" xmlns:p="http://schemas.openxmlformats.org/presentationml/2006/main">
+  <p:cSld>
+    <p:spTree>
+      <p:nvGrpSpPr>
+        <p:cNvPr id="1" name=""/>
+        <p:cNvGrpSpPr/>
+        <p:nvPr/>
+      </p:nvGrpSpPr>
+      <p:grpSpPr>
+        <a:xfrm>
+          <a:off x="0" y="0"/>
+          <a:ext cx="0" cy="0"/>
+          <a:chOff x="0" y="0"/>
+          <a:chExt cx="0" cy="0"/>
+        </a:xfrm>
+      </p:grpSpPr>
+      <p:sp>
+        <p:nvSpPr>
+          <p:cNvPr id="5" name="內容版面配置區 4"/>
+          <p:cNvSpPr>
+            <a:spLocks noGrp="1"/>
+          </p:cNvSpPr>
+          <p:nvPr>
+            <p:ph idx="1"/>
+          </p:nvPr>
+        </p:nvSpPr>
+        <p:spPr>
+          <a:xfrm>
+            <a:off x="0" y="2084851"/>
+            <a:ext cx="12192000" cy="2404863"/>
+          </a:xfrm>
+        </p:spPr>
+        <p:txBody>
+          <a:bodyPr anchor="ctr">
+            <a:normAutofit/>
+          </a:bodyPr>
+          <a:lstStyle/>
+          <a:p>
+            <a:pPr marL="0" indent="0" algn="ctr">
+              <a:buNone/>
+            </a:pPr>
+            <a:r>
+              <a:rPr lang="zh-CN" altLang="en-US" sz="6400" b="1" dirty="0">
+                <a:solidFill>
+                  <a:srgbClr val="660033"/>
+                </a:solidFill>
+                <a:latin typeface="Microsoft JhengHei" pitchFamily="34" charset="-120"/>
+                <a:ea typeface="Microsoft JhengHei" pitchFamily="34" charset="-120"/>
+              </a:rPr>
+              <a:t>充滿聖靈與能力</a:t>
+            </a:r>
+            <a:endParaRPr lang="en-US" altLang="zh-CN" sz="6400" b="1" dirty="0">
+              <a:solidFill>
+                <a:srgbClr val="660033"/>
+              </a:solidFill>
+              <a:latin typeface="Microsoft JhengHei" pitchFamily="34" charset="-120"/>
+              <a:ea typeface="Microsoft JhengHei" pitchFamily="34" charset="-120"/>
+            </a:endParaRPr>
+          </a:p>
+        </p:txBody>
+      </p:sp>
+    </p:spTree>
+    <p:extLst>
+      <p:ext uri="{BB962C8B-B14F-4D97-AF65-F5344CB8AC3E}">
+        <p14:creationId xmlns:p14="http://schemas.microsoft.com/office/powerpoint/2010/main" val="2126288115"/>
+      </p:ext>
+    </p:extLst>
+  </p:cSld>
+  <p:clrMapOvr>
+    <a:masterClrMapping/>
+  </p:clrMapOvr>
+  <p:timing>
+    <p:tnLst>
+      <p:par>
+        <p:cTn id="1" dur="indefinite" restart="never" nodeType="tmRoot"/>
+      </p:par>
+    </p:tnLst>
+  </p:timing>
 </p:sld>
 </file>
 
@@ -3325,182 +4342,146 @@
       </p:grpSpPr>
       <p:sp>
         <p:nvSpPr>
-          <p:cNvPr id="2" name="Title 1"/>
-          <p:cNvSpPr>
-            <a:spLocks noGrp="1"/>
-          </p:cNvSpPr>
-          <p:nvPr>
-            <p:ph type="title"/>
-          </p:nvPr>
-        </p:nvSpPr>
-        <p:spPr/>
-        <p:txBody>
-          <a:bodyPr>
+          <p:cNvPr id="5" name="內容版面配置區 4"/>
+          <p:cNvSpPr>
+            <a:spLocks noGrp="1"/>
+          </p:cNvSpPr>
+          <p:nvPr>
+            <p:ph idx="1"/>
+          </p:nvPr>
+        </p:nvSpPr>
+        <p:spPr>
+          <a:xfrm>
+            <a:off x="0" y="2084851"/>
+            <a:ext cx="12192000" cy="2404863"/>
+          </a:xfrm>
+        </p:spPr>
+        <p:txBody>
+          <a:bodyPr anchor="ctr">
             <a:normAutofit/>
           </a:bodyPr>
           <a:lstStyle/>
           <a:p>
-            <a:r>
-              <a:rPr lang="zh-CN" altLang="en-US" sz="4800" b="1" dirty="0" smtClean="0">
-                <a:latin typeface="Microsoft JhengHei" panose="020B0604030504040204" pitchFamily="34" charset="-120"/>
-                <a:ea typeface="Microsoft JhengHei" panose="020B0604030504040204" pitchFamily="34" charset="-120"/>
-              </a:rPr>
-              <a:t>將你的器皿交給主</a:t>
-            </a:r>
-            <a:endParaRPr lang="vi-VN" sz="4800" b="1" dirty="0">
-              <a:ea typeface="Microsoft JhengHei" panose="020B0604030504040204" pitchFamily="34" charset="-120"/>
+            <a:pPr marL="0" indent="0" algn="ctr">
+              <a:buNone/>
+            </a:pPr>
+            <a:r>
+              <a:rPr lang="zh-CN" altLang="en-US" sz="6400" b="1" dirty="0">
+                <a:solidFill>
+                  <a:srgbClr val="660033"/>
+                </a:solidFill>
+                <a:latin typeface="Microsoft JhengHei" pitchFamily="34" charset="-120"/>
+                <a:ea typeface="Microsoft JhengHei" pitchFamily="34" charset="-120"/>
+              </a:rPr>
+              <a:t>你</a:t>
+            </a:r>
+            <a:r>
+              <a:rPr lang="zh-CN" altLang="en-US" sz="6400" b="1" dirty="0">
+                <a:solidFill>
+                  <a:srgbClr val="660033"/>
+                </a:solidFill>
+                <a:latin typeface="Microsoft JhengHei" pitchFamily="34" charset="-120"/>
+                <a:ea typeface="Microsoft JhengHei" pitchFamily="34" charset="-120"/>
+              </a:rPr>
+              <a:t>心裏渴慕救主賜豐</a:t>
+            </a:r>
+            <a:r>
+              <a:rPr lang="zh-CN" altLang="en-US" sz="6400" b="1" dirty="0">
+                <a:solidFill>
+                  <a:srgbClr val="660033"/>
+                </a:solidFill>
+                <a:latin typeface="Microsoft JhengHei" pitchFamily="34" charset="-120"/>
+                <a:ea typeface="Microsoft JhengHei" pitchFamily="34" charset="-120"/>
+              </a:rPr>
+              <a:t>富</a:t>
+            </a:r>
+            <a:endParaRPr lang="en-US" altLang="zh-CN" sz="6400" b="1" dirty="0">
+              <a:solidFill>
+                <a:srgbClr val="660033"/>
+              </a:solidFill>
+              <a:latin typeface="Microsoft JhengHei" pitchFamily="34" charset="-120"/>
+              <a:ea typeface="Microsoft JhengHei" pitchFamily="34" charset="-120"/>
             </a:endParaRPr>
           </a:p>
-        </p:txBody>
-      </p:sp>
-      <p:sp>
-        <p:nvSpPr>
-          <p:cNvPr id="3" name="Content Placeholder 2"/>
-          <p:cNvSpPr>
-            <a:spLocks noGrp="1"/>
-          </p:cNvSpPr>
-          <p:nvPr>
-            <p:ph idx="1"/>
-          </p:nvPr>
+          <a:p>
+            <a:pPr marL="0" indent="0" algn="ctr">
+              <a:buNone/>
+            </a:pPr>
+            <a:r>
+              <a:rPr lang="zh-CN" altLang="en-US" sz="6400" b="1" dirty="0">
+                <a:solidFill>
+                  <a:srgbClr val="660033"/>
+                </a:solidFill>
+                <a:latin typeface="Microsoft JhengHei" pitchFamily="34" charset="-120"/>
+                <a:ea typeface="Microsoft JhengHei" pitchFamily="34" charset="-120"/>
+              </a:rPr>
+              <a:t>生命福氣麼</a:t>
+            </a:r>
+            <a:r>
+              <a:rPr lang="en-US" altLang="zh-CN" sz="6400" b="1" dirty="0">
+                <a:solidFill>
+                  <a:srgbClr val="660033"/>
+                </a:solidFill>
+                <a:latin typeface="Microsoft JhengHei" pitchFamily="34" charset="-120"/>
+                <a:ea typeface="Microsoft JhengHei" pitchFamily="34" charset="-120"/>
+              </a:rPr>
+              <a:t>   </a:t>
+            </a:r>
+            <a:r>
+              <a:rPr lang="zh-CN" altLang="en-US" sz="6400" b="1" dirty="0">
+                <a:solidFill>
+                  <a:srgbClr val="660033"/>
+                </a:solidFill>
+                <a:latin typeface="Microsoft JhengHei" pitchFamily="34" charset="-120"/>
+                <a:ea typeface="Microsoft JhengHei" pitchFamily="34" charset="-120"/>
+              </a:rPr>
+              <a:t>滿足你一切靈需</a:t>
+            </a:r>
+            <a:endParaRPr lang="en-US" altLang="zh-CN" sz="6400" b="1" dirty="0">
+              <a:solidFill>
+                <a:srgbClr val="660033"/>
+              </a:solidFill>
+              <a:latin typeface="Microsoft JhengHei" pitchFamily="34" charset="-120"/>
+              <a:ea typeface="Microsoft JhengHei" pitchFamily="34" charset="-120"/>
+            </a:endParaRPr>
+          </a:p>
+        </p:txBody>
+      </p:sp>
+      <p:sp>
+        <p:nvSpPr>
+          <p:cNvPr id="3" name="TextBox 2"/>
+          <p:cNvSpPr txBox="1"/>
+          <p:nvPr/>
         </p:nvSpPr>
         <p:spPr>
           <a:xfrm>
-            <a:off x="609600" y="1600201"/>
-            <a:ext cx="10972800" cy="5257799"/>
+            <a:off x="0" y="5061182"/>
+            <a:ext cx="12192000" cy="830997"/>
           </a:xfrm>
+          <a:prstGeom prst="rect">
+            <a:avLst/>
+          </a:prstGeom>
+          <a:noFill/>
         </p:spPr>
         <p:txBody>
-          <a:bodyPr>
-            <a:normAutofit/>
+          <a:bodyPr wrap="square" rtlCol="0">
+            <a:spAutoFit/>
           </a:bodyPr>
           <a:lstStyle/>
           <a:p>
-            <a:pPr marL="0" indent="0" algn="ctr">
-              <a:buNone/>
-            </a:pPr>
-            <a:r>
-              <a:rPr lang="zh-CN" altLang="en-US" sz="5400" b="1" dirty="0" smtClean="0">
-                <a:latin typeface="Microsoft JhengHei" panose="020B0604030504040204" pitchFamily="34" charset="-120"/>
-                <a:ea typeface="Microsoft JhengHei" panose="020B0604030504040204" pitchFamily="34" charset="-120"/>
-              </a:rPr>
-              <a:t>現在主要充滿你心直到滿溢</a:t>
-            </a:r>
-            <a:endParaRPr lang="en-US" altLang="zh-CN" sz="5400" b="1" dirty="0" smtClean="0">
-              <a:latin typeface="Microsoft JhengHei" panose="020B0604030504040204" pitchFamily="34" charset="-120"/>
-              <a:ea typeface="Microsoft JhengHei" panose="020B0604030504040204" pitchFamily="34" charset="-120"/>
-            </a:endParaRPr>
-          </a:p>
-          <a:p>
-            <a:pPr marL="0" indent="0" algn="ctr">
-              <a:buNone/>
-            </a:pPr>
-            <a:r>
-              <a:rPr lang="zh-CN" altLang="en-US" sz="5400" b="1" dirty="0">
-                <a:latin typeface="Microsoft JhengHei" panose="020B0604030504040204" pitchFamily="34" charset="-120"/>
-                <a:ea typeface="Microsoft JhengHei" panose="020B0604030504040204" pitchFamily="34" charset="-120"/>
-              </a:rPr>
-              <a:t>你</a:t>
-            </a:r>
-            <a:r>
-              <a:rPr lang="zh-CN" altLang="en-US" sz="5400" b="1" dirty="0" smtClean="0">
-                <a:latin typeface="Microsoft JhengHei" panose="020B0604030504040204" pitchFamily="34" charset="-120"/>
-                <a:ea typeface="Microsoft JhengHei" panose="020B0604030504040204" pitchFamily="34" charset="-120"/>
-              </a:rPr>
-              <a:t>要將心靈才幹</a:t>
-            </a:r>
-            <a:endParaRPr lang="en-US" altLang="zh-CN" sz="5400" b="1" dirty="0" smtClean="0">
-              <a:latin typeface="Microsoft JhengHei" panose="020B0604030504040204" pitchFamily="34" charset="-120"/>
-              <a:ea typeface="Microsoft JhengHei" panose="020B0604030504040204" pitchFamily="34" charset="-120"/>
-            </a:endParaRPr>
-          </a:p>
-          <a:p>
-            <a:pPr marL="0" indent="0" algn="ctr">
-              <a:buNone/>
-            </a:pPr>
-            <a:r>
-              <a:rPr lang="zh-CN" altLang="en-US" sz="5400" b="1" dirty="0" smtClean="0">
-                <a:latin typeface="Microsoft JhengHei" panose="020B0604030504040204" pitchFamily="34" charset="-120"/>
-                <a:ea typeface="Microsoft JhengHei" panose="020B0604030504040204" pitchFamily="34" charset="-120"/>
-              </a:rPr>
-              <a:t>如空皿交主手裏</a:t>
-            </a:r>
-            <a:endParaRPr lang="en-US" altLang="zh-CN" sz="5400" b="1" dirty="0" smtClean="0">
-              <a:latin typeface="Microsoft JhengHei" panose="020B0604030504040204" pitchFamily="34" charset="-120"/>
-              <a:ea typeface="Microsoft JhengHei" panose="020B0604030504040204" pitchFamily="34" charset="-120"/>
-            </a:endParaRPr>
-          </a:p>
-          <a:p>
-            <a:pPr marL="0" indent="0" algn="ctr">
-              <a:buNone/>
-            </a:pPr>
-            <a:r>
-              <a:rPr lang="zh-CN" altLang="en-US" sz="5400" b="1" dirty="0">
-                <a:latin typeface="Microsoft JhengHei" panose="020B0604030504040204" pitchFamily="34" charset="-120"/>
-                <a:ea typeface="Microsoft JhengHei" panose="020B0604030504040204" pitchFamily="34" charset="-120"/>
-              </a:rPr>
-              <a:t>現</a:t>
-            </a:r>
-            <a:r>
-              <a:rPr lang="zh-CN" altLang="en-US" sz="5400" b="1" dirty="0" smtClean="0">
-                <a:latin typeface="Microsoft JhengHei" panose="020B0604030504040204" pitchFamily="34" charset="-120"/>
-                <a:ea typeface="Microsoft JhengHei" panose="020B0604030504040204" pitchFamily="34" charset="-120"/>
-              </a:rPr>
-              <a:t>在主要</a:t>
-            </a:r>
-            <a:r>
-              <a:rPr lang="zh-CN" altLang="en-US" sz="5400" b="1" dirty="0">
-                <a:latin typeface="Microsoft JhengHei" panose="020B0604030504040204" pitchFamily="34" charset="-120"/>
-                <a:ea typeface="Microsoft JhengHei" panose="020B0604030504040204" pitchFamily="34" charset="-120"/>
-              </a:rPr>
-              <a:t>充滿</a:t>
-            </a:r>
-            <a:r>
-              <a:rPr lang="zh-CN" altLang="en-US" sz="5400" b="1" dirty="0" smtClean="0">
-                <a:latin typeface="Microsoft JhengHei" panose="020B0604030504040204" pitchFamily="34" charset="-120"/>
-                <a:ea typeface="Microsoft JhengHei" panose="020B0604030504040204" pitchFamily="34" charset="-120"/>
-              </a:rPr>
-              <a:t>你</a:t>
-            </a:r>
-            <a:r>
-              <a:rPr lang="zh-CN" altLang="en-US" sz="5400" b="1" dirty="0">
-                <a:latin typeface="Microsoft JhengHei" panose="020B0604030504040204" pitchFamily="34" charset="-120"/>
-                <a:ea typeface="Microsoft JhengHei" panose="020B0604030504040204" pitchFamily="34" charset="-120"/>
-              </a:rPr>
-              <a:t>心直到滿</a:t>
-            </a:r>
-            <a:r>
-              <a:rPr lang="zh-CN" altLang="en-US" sz="5400" b="1" dirty="0" smtClean="0">
-                <a:latin typeface="Microsoft JhengHei" panose="020B0604030504040204" pitchFamily="34" charset="-120"/>
-                <a:ea typeface="Microsoft JhengHei" panose="020B0604030504040204" pitchFamily="34" charset="-120"/>
-              </a:rPr>
-              <a:t>溢</a:t>
-            </a:r>
-            <a:endParaRPr lang="en-US" altLang="zh-CN" sz="5400" b="1" dirty="0" smtClean="0">
-              <a:latin typeface="Microsoft JhengHei" panose="020B0604030504040204" pitchFamily="34" charset="-120"/>
-              <a:ea typeface="Microsoft JhengHei" panose="020B0604030504040204" pitchFamily="34" charset="-120"/>
-            </a:endParaRPr>
-          </a:p>
-          <a:p>
-            <a:pPr marL="0" indent="0" algn="ctr">
-              <a:buNone/>
-            </a:pPr>
-            <a:r>
-              <a:rPr lang="zh-CN" altLang="en-US" sz="5400" b="1" dirty="0">
-                <a:latin typeface="Microsoft JhengHei" panose="020B0604030504040204" pitchFamily="34" charset="-120"/>
-                <a:ea typeface="Microsoft JhengHei" panose="020B0604030504040204" pitchFamily="34" charset="-120"/>
-              </a:rPr>
-              <a:t>充</a:t>
-            </a:r>
-            <a:r>
-              <a:rPr lang="zh-CN" altLang="en-US" sz="5400" b="1" dirty="0" smtClean="0">
-                <a:latin typeface="Microsoft JhengHei" panose="020B0604030504040204" pitchFamily="34" charset="-120"/>
-                <a:ea typeface="Microsoft JhengHei" panose="020B0604030504040204" pitchFamily="34" charset="-120"/>
-              </a:rPr>
-              <a:t>滿聖靈與能力</a:t>
-            </a:r>
-            <a:endParaRPr lang="en-US" altLang="zh-CN" sz="5400" b="1" dirty="0" smtClean="0">
-              <a:latin typeface="Microsoft JhengHei" panose="020B0604030504040204" pitchFamily="34" charset="-120"/>
-              <a:ea typeface="Microsoft JhengHei" panose="020B0604030504040204" pitchFamily="34" charset="-120"/>
+            <a:pPr algn="ctr"/>
+            <a:r>
+              <a:rPr lang="en-US" sz="4800" b="1" dirty="0">
+                <a:solidFill>
+                  <a:srgbClr val="660033"/>
+                </a:solidFill>
+              </a:rPr>
+              <a:t>( 1 – 3 )</a:t>
+            </a:r>
+            <a:endParaRPr lang="vi-VN" sz="4800" b="1" dirty="0">
+              <a:solidFill>
+                <a:srgbClr val="660033"/>
+              </a:solidFill>
             </a:endParaRPr>
           </a:p>
         </p:txBody>
@@ -3508,13 +4489,20 @@
     </p:spTree>
     <p:extLst>
       <p:ext uri="{BB962C8B-B14F-4D97-AF65-F5344CB8AC3E}">
-        <p14:creationId xmlns:p14="http://schemas.microsoft.com/office/powerpoint/2010/main" val="207952728"/>
+        <p14:creationId xmlns:p14="http://schemas.microsoft.com/office/powerpoint/2010/main" val="3831587432"/>
       </p:ext>
     </p:extLst>
   </p:cSld>
   <p:clrMapOvr>
     <a:masterClrMapping/>
   </p:clrMapOvr>
+  <p:timing>
+    <p:tnLst>
+      <p:par>
+        <p:cTn id="1" dur="indefinite" restart="never" nodeType="tmRoot"/>
+      </p:par>
+    </p:tnLst>
+  </p:timing>
 </p:sld>
 </file>
 
@@ -3537,154 +4525,91 @@
       </p:grpSpPr>
       <p:sp>
         <p:nvSpPr>
-          <p:cNvPr id="2" name="Title 1"/>
-          <p:cNvSpPr>
-            <a:spLocks noGrp="1"/>
-          </p:cNvSpPr>
-          <p:nvPr>
-            <p:ph type="title"/>
-          </p:nvPr>
-        </p:nvSpPr>
-        <p:spPr/>
-        <p:txBody>
-          <a:bodyPr>
+          <p:cNvPr id="5" name="內容版面配置區 4"/>
+          <p:cNvSpPr>
+            <a:spLocks noGrp="1"/>
+          </p:cNvSpPr>
+          <p:nvPr>
+            <p:ph idx="1"/>
+          </p:nvPr>
+        </p:nvSpPr>
+        <p:spPr>
+          <a:xfrm>
+            <a:off x="0" y="2084851"/>
+            <a:ext cx="12192000" cy="2404863"/>
+          </a:xfrm>
+        </p:spPr>
+        <p:txBody>
+          <a:bodyPr anchor="ctr">
             <a:normAutofit/>
           </a:bodyPr>
           <a:lstStyle/>
           <a:p>
-            <a:r>
-              <a:rPr lang="zh-CN" altLang="en-US" sz="4800" b="1" dirty="0" smtClean="0">
-                <a:latin typeface="Microsoft JhengHei" panose="020B0604030504040204" pitchFamily="34" charset="-120"/>
-                <a:ea typeface="Microsoft JhengHei" panose="020B0604030504040204" pitchFamily="34" charset="-120"/>
-              </a:rPr>
-              <a:t>將你的器皿交給主</a:t>
-            </a:r>
-            <a:endParaRPr lang="vi-VN" sz="4800" b="1" dirty="0">
-              <a:ea typeface="Microsoft JhengHei" panose="020B0604030504040204" pitchFamily="34" charset="-120"/>
+            <a:pPr marL="0" indent="0" algn="ctr">
+              <a:buNone/>
+            </a:pPr>
+            <a:r>
+              <a:rPr lang="zh-CN" altLang="en-US" sz="6400" b="1" dirty="0">
+                <a:solidFill>
+                  <a:srgbClr val="660033"/>
+                </a:solidFill>
+                <a:latin typeface="Microsoft JhengHei" pitchFamily="34" charset="-120"/>
+                <a:ea typeface="Microsoft JhengHei" pitchFamily="34" charset="-120"/>
+              </a:rPr>
+              <a:t>當信天父奇妙應許</a:t>
+            </a:r>
+            <a:endParaRPr lang="en-US" altLang="zh-CN" sz="6400" b="1" dirty="0">
+              <a:solidFill>
+                <a:srgbClr val="660033"/>
+              </a:solidFill>
+              <a:latin typeface="Microsoft JhengHei" pitchFamily="34" charset="-120"/>
+              <a:ea typeface="Microsoft JhengHei" pitchFamily="34" charset="-120"/>
             </a:endParaRPr>
           </a:p>
-        </p:txBody>
-      </p:sp>
-      <p:sp>
-        <p:nvSpPr>
-          <p:cNvPr id="3" name="Content Placeholder 2"/>
-          <p:cNvSpPr>
-            <a:spLocks noGrp="1"/>
-          </p:cNvSpPr>
-          <p:nvPr>
-            <p:ph idx="1"/>
-          </p:nvPr>
+          <a:p>
+            <a:pPr marL="0" indent="0" algn="ctr">
+              <a:buNone/>
+            </a:pPr>
+            <a:r>
+              <a:rPr lang="zh-CN" altLang="en-US" sz="6400" b="1" dirty="0">
+                <a:solidFill>
+                  <a:srgbClr val="660033"/>
+                </a:solidFill>
+                <a:latin typeface="Microsoft JhengHei" pitchFamily="34" charset="-120"/>
+                <a:ea typeface="Microsoft JhengHei" pitchFamily="34" charset="-120"/>
+              </a:rPr>
+              <a:t>照主聖經的</a:t>
+            </a:r>
+            <a:r>
+              <a:rPr lang="zh-CN" altLang="en-US" sz="6400" b="1" dirty="0">
+                <a:solidFill>
+                  <a:srgbClr val="660033"/>
+                </a:solidFill>
+                <a:latin typeface="Microsoft JhengHei" pitchFamily="34" charset="-120"/>
+                <a:ea typeface="Microsoft JhengHei" pitchFamily="34" charset="-120"/>
+              </a:rPr>
+              <a:t>言語</a:t>
+            </a:r>
+            <a:endParaRPr lang="en-US" altLang="zh-CN" sz="6400" b="1" dirty="0">
+              <a:solidFill>
+                <a:srgbClr val="660033"/>
+              </a:solidFill>
+              <a:latin typeface="Microsoft JhengHei" pitchFamily="34" charset="-120"/>
+              <a:ea typeface="Microsoft JhengHei" pitchFamily="34" charset="-120"/>
+            </a:endParaRPr>
+          </a:p>
+        </p:txBody>
+      </p:sp>
+      <p:sp>
+        <p:nvSpPr>
+          <p:cNvPr id="3" name="TextBox 2"/>
+          <p:cNvSpPr txBox="1"/>
+          <p:nvPr/>
         </p:nvSpPr>
         <p:spPr>
           <a:xfrm>
-            <a:off x="609600" y="1600201"/>
-            <a:ext cx="10972800" cy="5257799"/>
-          </a:xfrm>
-        </p:spPr>
-        <p:txBody>
-          <a:bodyPr>
-            <a:normAutofit/>
-          </a:bodyPr>
-          <a:lstStyle/>
-          <a:p>
-            <a:pPr marL="0" indent="0" algn="ctr">
-              <a:buNone/>
-            </a:pPr>
-            <a:r>
-              <a:rPr lang="zh-CN" altLang="en-US" sz="5400" b="1" dirty="0" smtClean="0">
-                <a:latin typeface="Microsoft JhengHei" panose="020B0604030504040204" pitchFamily="34" charset="-120"/>
-                <a:ea typeface="Microsoft JhengHei" panose="020B0604030504040204" pitchFamily="34" charset="-120"/>
-              </a:rPr>
-              <a:t>要將你的空器皿得救主</a:t>
-            </a:r>
-            <a:endParaRPr lang="en-US" altLang="zh-CN" sz="5400" b="1" dirty="0" smtClean="0">
-              <a:latin typeface="Microsoft JhengHei" panose="020B0604030504040204" pitchFamily="34" charset="-120"/>
-              <a:ea typeface="Microsoft JhengHei" panose="020B0604030504040204" pitchFamily="34" charset="-120"/>
-            </a:endParaRPr>
-          </a:p>
-          <a:p>
-            <a:pPr marL="0" indent="0" algn="ctr">
-              <a:buNone/>
-            </a:pPr>
-            <a:r>
-              <a:rPr lang="zh-CN" altLang="en-US" sz="5400" b="1" dirty="0" smtClean="0">
-                <a:latin typeface="Microsoft JhengHei" panose="020B0604030504040204" pitchFamily="34" charset="-120"/>
-                <a:ea typeface="Microsoft JhengHei" panose="020B0604030504040204" pitchFamily="34" charset="-120"/>
-              </a:rPr>
-              <a:t>寶血洗一新</a:t>
-            </a:r>
-            <a:endParaRPr lang="en-US" altLang="zh-CN" sz="5400" b="1" dirty="0" smtClean="0">
-              <a:latin typeface="Microsoft JhengHei" panose="020B0604030504040204" pitchFamily="34" charset="-120"/>
-              <a:ea typeface="Microsoft JhengHei" panose="020B0604030504040204" pitchFamily="34" charset="-120"/>
-            </a:endParaRPr>
-          </a:p>
-          <a:p>
-            <a:pPr marL="0" indent="0" algn="ctr">
-              <a:buNone/>
-            </a:pPr>
-            <a:r>
-              <a:rPr lang="zh-CN" altLang="en-US" sz="5400" b="1" dirty="0">
-                <a:latin typeface="Microsoft JhengHei" panose="020B0604030504040204" pitchFamily="34" charset="-120"/>
-                <a:ea typeface="Microsoft JhengHei" panose="020B0604030504040204" pitchFamily="34" charset="-120"/>
-              </a:rPr>
-              <a:t>缺</a:t>
-            </a:r>
-            <a:r>
-              <a:rPr lang="zh-CN" altLang="en-US" sz="5400" b="1" dirty="0" smtClean="0">
-                <a:latin typeface="Microsoft JhengHei" panose="020B0604030504040204" pitchFamily="34" charset="-120"/>
-                <a:ea typeface="Microsoft JhengHei" panose="020B0604030504040204" pitchFamily="34" charset="-120"/>
-              </a:rPr>
-              <a:t>乏者今可前來</a:t>
-            </a:r>
-            <a:endParaRPr lang="en-US" altLang="zh-CN" sz="5400" b="1" dirty="0" smtClean="0">
-              <a:latin typeface="Microsoft JhengHei" panose="020B0604030504040204" pitchFamily="34" charset="-120"/>
-              <a:ea typeface="Microsoft JhengHei" panose="020B0604030504040204" pitchFamily="34" charset="-120"/>
-            </a:endParaRPr>
-          </a:p>
-          <a:p>
-            <a:pPr marL="0" indent="0" algn="ctr">
-              <a:buNone/>
-            </a:pPr>
-            <a:r>
-              <a:rPr lang="zh-CN" altLang="en-US" sz="5400" b="1" dirty="0" smtClean="0">
-                <a:latin typeface="Microsoft JhengHei" panose="020B0604030504040204" pitchFamily="34" charset="-120"/>
-                <a:ea typeface="Microsoft JhengHei" panose="020B0604030504040204" pitchFamily="34" charset="-120"/>
-              </a:rPr>
-              <a:t>須同心奉獻你所有</a:t>
-            </a:r>
-            <a:endParaRPr lang="en-US" altLang="zh-CN" sz="5400" b="1" dirty="0" smtClean="0">
-              <a:latin typeface="Microsoft JhengHei" panose="020B0604030504040204" pitchFamily="34" charset="-120"/>
-              <a:ea typeface="Microsoft JhengHei" panose="020B0604030504040204" pitchFamily="34" charset="-120"/>
-            </a:endParaRPr>
-          </a:p>
-          <a:p>
-            <a:pPr marL="0" indent="0" algn="ctr">
-              <a:buNone/>
-            </a:pPr>
-            <a:r>
-              <a:rPr lang="zh-CN" altLang="en-US" sz="5400" b="1" dirty="0" smtClean="0">
-                <a:latin typeface="Microsoft JhengHei" panose="020B0604030504040204" pitchFamily="34" charset="-120"/>
-                <a:ea typeface="Microsoft JhengHei" panose="020B0604030504040204" pitchFamily="34" charset="-120"/>
-              </a:rPr>
-              <a:t>在主寶座前等候  主聖靈充滿心懷</a:t>
-            </a:r>
-            <a:endParaRPr lang="en-US" altLang="zh-CN" sz="5400" b="1" dirty="0" smtClean="0">
-              <a:latin typeface="Microsoft JhengHei" panose="020B0604030504040204" pitchFamily="34" charset="-120"/>
-              <a:ea typeface="Microsoft JhengHei" panose="020B0604030504040204" pitchFamily="34" charset="-120"/>
-            </a:endParaRPr>
-          </a:p>
-        </p:txBody>
-      </p:sp>
-      <p:sp>
-        <p:nvSpPr>
-          <p:cNvPr id="5" name="TextBox 4"/>
-          <p:cNvSpPr txBox="1"/>
-          <p:nvPr/>
-        </p:nvSpPr>
-        <p:spPr>
-          <a:xfrm>
-            <a:off x="609600" y="1600201"/>
-            <a:ext cx="834189" cy="923330"/>
+            <a:off x="0" y="5061182"/>
+            <a:ext cx="12192000" cy="830997"/>
           </a:xfrm>
           <a:prstGeom prst="rect">
             <a:avLst/>
@@ -3697,28 +4622,40 @@
           </a:bodyPr>
           <a:lstStyle/>
           <a:p>
-            <a:r>
-              <a:rPr lang="en-US" sz="5400" b="1" dirty="0"/>
-              <a:t>2</a:t>
-            </a:r>
-            <a:r>
-              <a:rPr lang="en-US" sz="5400" b="1" dirty="0" smtClean="0"/>
-              <a:t>.</a:t>
-            </a:r>
-            <a:endParaRPr lang="vi-VN" sz="5400" b="1" dirty="0"/>
+            <a:pPr algn="ctr"/>
+            <a:r>
+              <a:rPr lang="en-US" sz="4800" b="1" dirty="0">
+                <a:solidFill>
+                  <a:srgbClr val="660033"/>
+                </a:solidFill>
+              </a:rPr>
+              <a:t>( 1 – 3 )</a:t>
+            </a:r>
+            <a:endParaRPr lang="vi-VN" sz="4800" b="1" dirty="0">
+              <a:solidFill>
+                <a:srgbClr val="660033"/>
+              </a:solidFill>
+            </a:endParaRPr>
           </a:p>
         </p:txBody>
       </p:sp>
     </p:spTree>
     <p:extLst>
       <p:ext uri="{BB962C8B-B14F-4D97-AF65-F5344CB8AC3E}">
-        <p14:creationId xmlns:p14="http://schemas.microsoft.com/office/powerpoint/2010/main" val="467031717"/>
+        <p14:creationId xmlns:p14="http://schemas.microsoft.com/office/powerpoint/2010/main" val="3569678988"/>
       </p:ext>
     </p:extLst>
   </p:cSld>
   <p:clrMapOvr>
     <a:masterClrMapping/>
   </p:clrMapOvr>
+  <p:timing>
+    <p:tnLst>
+      <p:par>
+        <p:cTn id="1" dur="indefinite" restart="never" nodeType="tmRoot"/>
+      </p:par>
+    </p:tnLst>
+  </p:timing>
 </p:sld>
 </file>
 
@@ -3741,182 +4678,94 @@
       </p:grpSpPr>
       <p:sp>
         <p:nvSpPr>
-          <p:cNvPr id="2" name="Title 1"/>
-          <p:cNvSpPr>
-            <a:spLocks noGrp="1"/>
-          </p:cNvSpPr>
-          <p:nvPr>
-            <p:ph type="title"/>
-          </p:nvPr>
-        </p:nvSpPr>
-        <p:spPr/>
-        <p:txBody>
-          <a:bodyPr>
+          <p:cNvPr id="5" name="內容版面配置區 4"/>
+          <p:cNvSpPr>
+            <a:spLocks noGrp="1"/>
+          </p:cNvSpPr>
+          <p:nvPr>
+            <p:ph idx="1"/>
+          </p:nvPr>
+        </p:nvSpPr>
+        <p:spPr>
+          <a:xfrm>
+            <a:off x="0" y="2084851"/>
+            <a:ext cx="12192000" cy="2404863"/>
+          </a:xfrm>
+        </p:spPr>
+        <p:txBody>
+          <a:bodyPr anchor="ctr">
             <a:normAutofit/>
           </a:bodyPr>
           <a:lstStyle/>
           <a:p>
-            <a:r>
-              <a:rPr lang="zh-CN" altLang="en-US" sz="4800" b="1" dirty="0" smtClean="0">
-                <a:latin typeface="Microsoft JhengHei" panose="020B0604030504040204" pitchFamily="34" charset="-120"/>
-                <a:ea typeface="Microsoft JhengHei" panose="020B0604030504040204" pitchFamily="34" charset="-120"/>
-              </a:rPr>
-              <a:t>將你的器皿交給主</a:t>
-            </a:r>
-            <a:endParaRPr lang="vi-VN" sz="4800" b="1" dirty="0">
-              <a:ea typeface="Microsoft JhengHei" panose="020B0604030504040204" pitchFamily="34" charset="-120"/>
+            <a:pPr marL="0" indent="0" algn="ctr">
+              <a:buNone/>
+            </a:pPr>
+            <a:r>
+              <a:rPr lang="zh-CN" altLang="en-US" sz="6400" b="1" dirty="0">
+                <a:solidFill>
+                  <a:srgbClr val="660033"/>
+                </a:solidFill>
+                <a:latin typeface="Microsoft JhengHei" pitchFamily="34" charset="-120"/>
+                <a:ea typeface="Microsoft JhengHei" pitchFamily="34" charset="-120"/>
+              </a:rPr>
+              <a:t>救</a:t>
+            </a:r>
+            <a:r>
+              <a:rPr lang="zh-CN" altLang="en-US" sz="6400" b="1" dirty="0">
+                <a:solidFill>
+                  <a:srgbClr val="660033"/>
+                </a:solidFill>
+                <a:latin typeface="Microsoft JhengHei" pitchFamily="34" charset="-120"/>
+                <a:ea typeface="Microsoft JhengHei" pitchFamily="34" charset="-120"/>
+              </a:rPr>
+              <a:t>主必成全為你</a:t>
+            </a:r>
+            <a:endParaRPr lang="en-US" altLang="zh-CN" sz="6400" b="1" dirty="0">
+              <a:solidFill>
+                <a:srgbClr val="660033"/>
+              </a:solidFill>
+              <a:latin typeface="Microsoft JhengHei" pitchFamily="34" charset="-120"/>
+              <a:ea typeface="Microsoft JhengHei" pitchFamily="34" charset="-120"/>
             </a:endParaRPr>
           </a:p>
         </p:txBody>
       </p:sp>
       <p:sp>
         <p:nvSpPr>
-          <p:cNvPr id="3" name="Content Placeholder 2"/>
-          <p:cNvSpPr>
-            <a:spLocks noGrp="1"/>
-          </p:cNvSpPr>
-          <p:nvPr>
-            <p:ph idx="1"/>
-          </p:nvPr>
+          <p:cNvPr id="3" name="TextBox 2"/>
+          <p:cNvSpPr txBox="1"/>
+          <p:nvPr/>
         </p:nvSpPr>
         <p:spPr>
           <a:xfrm>
-            <a:off x="609600" y="1600201"/>
-            <a:ext cx="10972800" cy="5257799"/>
+            <a:off x="0" y="5061182"/>
+            <a:ext cx="12192000" cy="830997"/>
           </a:xfrm>
+          <a:prstGeom prst="rect">
+            <a:avLst/>
+          </a:prstGeom>
+          <a:noFill/>
         </p:spPr>
         <p:txBody>
-          <a:bodyPr>
-            <a:normAutofit/>
+          <a:bodyPr wrap="square" rtlCol="0">
+            <a:spAutoFit/>
           </a:bodyPr>
           <a:lstStyle/>
           <a:p>
-            <a:pPr marL="0" indent="0" algn="ctr">
-              <a:buNone/>
-            </a:pPr>
-            <a:r>
-              <a:rPr lang="zh-CN" altLang="en-US" sz="5400" b="1" dirty="0" smtClean="0">
-                <a:latin typeface="Microsoft JhengHei" panose="020B0604030504040204" pitchFamily="34" charset="-120"/>
-                <a:ea typeface="Microsoft JhengHei" panose="020B0604030504040204" pitchFamily="34" charset="-120"/>
-              </a:rPr>
-              <a:t>現在主要充滿你心直到滿溢</a:t>
-            </a:r>
-            <a:endParaRPr lang="en-US" altLang="zh-CN" sz="5400" b="1" dirty="0" smtClean="0">
-              <a:latin typeface="Microsoft JhengHei" panose="020B0604030504040204" pitchFamily="34" charset="-120"/>
-              <a:ea typeface="Microsoft JhengHei" panose="020B0604030504040204" pitchFamily="34" charset="-120"/>
-            </a:endParaRPr>
-          </a:p>
-          <a:p>
-            <a:pPr marL="0" indent="0" algn="ctr">
-              <a:buNone/>
-            </a:pPr>
-            <a:r>
-              <a:rPr lang="zh-CN" altLang="en-US" sz="5400" b="1" dirty="0">
-                <a:latin typeface="Microsoft JhengHei" panose="020B0604030504040204" pitchFamily="34" charset="-120"/>
-                <a:ea typeface="Microsoft JhengHei" panose="020B0604030504040204" pitchFamily="34" charset="-120"/>
-              </a:rPr>
-              <a:t>你</a:t>
-            </a:r>
-            <a:r>
-              <a:rPr lang="zh-CN" altLang="en-US" sz="5400" b="1" dirty="0" smtClean="0">
-                <a:latin typeface="Microsoft JhengHei" panose="020B0604030504040204" pitchFamily="34" charset="-120"/>
-                <a:ea typeface="Microsoft JhengHei" panose="020B0604030504040204" pitchFamily="34" charset="-120"/>
-              </a:rPr>
-              <a:t>要將心靈才幹</a:t>
-            </a:r>
-            <a:endParaRPr lang="en-US" altLang="zh-CN" sz="5400" b="1" dirty="0" smtClean="0">
-              <a:latin typeface="Microsoft JhengHei" panose="020B0604030504040204" pitchFamily="34" charset="-120"/>
-              <a:ea typeface="Microsoft JhengHei" panose="020B0604030504040204" pitchFamily="34" charset="-120"/>
-            </a:endParaRPr>
-          </a:p>
-          <a:p>
-            <a:pPr marL="0" indent="0" algn="ctr">
-              <a:buNone/>
-            </a:pPr>
-            <a:r>
-              <a:rPr lang="zh-CN" altLang="en-US" sz="5400" b="1" dirty="0" smtClean="0">
-                <a:latin typeface="Microsoft JhengHei" panose="020B0604030504040204" pitchFamily="34" charset="-120"/>
-                <a:ea typeface="Microsoft JhengHei" panose="020B0604030504040204" pitchFamily="34" charset="-120"/>
-              </a:rPr>
-              <a:t>如空皿交主手裏</a:t>
-            </a:r>
-            <a:endParaRPr lang="en-US" altLang="zh-CN" sz="5400" b="1" dirty="0" smtClean="0">
-              <a:latin typeface="Microsoft JhengHei" panose="020B0604030504040204" pitchFamily="34" charset="-120"/>
-              <a:ea typeface="Microsoft JhengHei" panose="020B0604030504040204" pitchFamily="34" charset="-120"/>
-            </a:endParaRPr>
-          </a:p>
-          <a:p>
-            <a:pPr marL="0" indent="0" algn="ctr">
-              <a:buNone/>
-            </a:pPr>
-            <a:r>
-              <a:rPr lang="zh-CN" altLang="en-US" sz="5400" b="1" dirty="0">
-                <a:latin typeface="Microsoft JhengHei" panose="020B0604030504040204" pitchFamily="34" charset="-120"/>
-                <a:ea typeface="Microsoft JhengHei" panose="020B0604030504040204" pitchFamily="34" charset="-120"/>
-              </a:rPr>
-              <a:t>現</a:t>
-            </a:r>
-            <a:r>
-              <a:rPr lang="zh-CN" altLang="en-US" sz="5400" b="1" dirty="0" smtClean="0">
-                <a:latin typeface="Microsoft JhengHei" panose="020B0604030504040204" pitchFamily="34" charset="-120"/>
-                <a:ea typeface="Microsoft JhengHei" panose="020B0604030504040204" pitchFamily="34" charset="-120"/>
-              </a:rPr>
-              <a:t>在主要</a:t>
-            </a:r>
-            <a:r>
-              <a:rPr lang="zh-CN" altLang="en-US" sz="5400" b="1" dirty="0">
-                <a:latin typeface="Microsoft JhengHei" panose="020B0604030504040204" pitchFamily="34" charset="-120"/>
-                <a:ea typeface="Microsoft JhengHei" panose="020B0604030504040204" pitchFamily="34" charset="-120"/>
-              </a:rPr>
-              <a:t>充滿</a:t>
-            </a:r>
-            <a:r>
-              <a:rPr lang="zh-CN" altLang="en-US" sz="5400" b="1" dirty="0" smtClean="0">
-                <a:latin typeface="Microsoft JhengHei" panose="020B0604030504040204" pitchFamily="34" charset="-120"/>
-                <a:ea typeface="Microsoft JhengHei" panose="020B0604030504040204" pitchFamily="34" charset="-120"/>
-              </a:rPr>
-              <a:t>你</a:t>
-            </a:r>
-            <a:r>
-              <a:rPr lang="zh-CN" altLang="en-US" sz="5400" b="1" dirty="0">
-                <a:latin typeface="Microsoft JhengHei" panose="020B0604030504040204" pitchFamily="34" charset="-120"/>
-                <a:ea typeface="Microsoft JhengHei" panose="020B0604030504040204" pitchFamily="34" charset="-120"/>
-              </a:rPr>
-              <a:t>心直到滿</a:t>
-            </a:r>
-            <a:r>
-              <a:rPr lang="zh-CN" altLang="en-US" sz="5400" b="1" dirty="0" smtClean="0">
-                <a:latin typeface="Microsoft JhengHei" panose="020B0604030504040204" pitchFamily="34" charset="-120"/>
-                <a:ea typeface="Microsoft JhengHei" panose="020B0604030504040204" pitchFamily="34" charset="-120"/>
-              </a:rPr>
-              <a:t>溢</a:t>
-            </a:r>
-            <a:endParaRPr lang="en-US" altLang="zh-CN" sz="5400" b="1" dirty="0" smtClean="0">
-              <a:latin typeface="Microsoft JhengHei" panose="020B0604030504040204" pitchFamily="34" charset="-120"/>
-              <a:ea typeface="Microsoft JhengHei" panose="020B0604030504040204" pitchFamily="34" charset="-120"/>
-            </a:endParaRPr>
-          </a:p>
-          <a:p>
-            <a:pPr marL="0" indent="0" algn="ctr">
-              <a:buNone/>
-            </a:pPr>
-            <a:r>
-              <a:rPr lang="zh-CN" altLang="en-US" sz="5400" b="1" dirty="0">
-                <a:latin typeface="Microsoft JhengHei" panose="020B0604030504040204" pitchFamily="34" charset="-120"/>
-                <a:ea typeface="Microsoft JhengHei" panose="020B0604030504040204" pitchFamily="34" charset="-120"/>
-              </a:rPr>
-              <a:t>充</a:t>
-            </a:r>
-            <a:r>
-              <a:rPr lang="zh-CN" altLang="en-US" sz="5400" b="1" dirty="0" smtClean="0">
-                <a:latin typeface="Microsoft JhengHei" panose="020B0604030504040204" pitchFamily="34" charset="-120"/>
-                <a:ea typeface="Microsoft JhengHei" panose="020B0604030504040204" pitchFamily="34" charset="-120"/>
-              </a:rPr>
-              <a:t>滿聖靈與能力</a:t>
-            </a:r>
-            <a:endParaRPr lang="en-US" altLang="zh-CN" sz="5400" b="1" dirty="0" smtClean="0">
-              <a:latin typeface="Microsoft JhengHei" panose="020B0604030504040204" pitchFamily="34" charset="-120"/>
-              <a:ea typeface="Microsoft JhengHei" panose="020B0604030504040204" pitchFamily="34" charset="-120"/>
+            <a:pPr algn="ctr"/>
+            <a:r>
+              <a:rPr lang="en-US" sz="4800" b="1" dirty="0">
+                <a:solidFill>
+                  <a:srgbClr val="660033"/>
+                </a:solidFill>
+              </a:rPr>
+              <a:t>( 1 – 3 )</a:t>
+            </a:r>
+            <a:endParaRPr lang="vi-VN" sz="4800" b="1" dirty="0">
+              <a:solidFill>
+                <a:srgbClr val="660033"/>
+              </a:solidFill>
             </a:endParaRPr>
           </a:p>
         </p:txBody>
@@ -3924,13 +4773,20 @@
     </p:spTree>
     <p:extLst>
       <p:ext uri="{BB962C8B-B14F-4D97-AF65-F5344CB8AC3E}">
-        <p14:creationId xmlns:p14="http://schemas.microsoft.com/office/powerpoint/2010/main" val="1708227201"/>
+        <p14:creationId xmlns:p14="http://schemas.microsoft.com/office/powerpoint/2010/main" val="3443685854"/>
       </p:ext>
     </p:extLst>
   </p:cSld>
   <p:clrMapOvr>
     <a:masterClrMapping/>
   </p:clrMapOvr>
+  <p:timing>
+    <p:tnLst>
+      <p:par>
+        <p:cTn id="1" dur="indefinite" restart="never" nodeType="tmRoot"/>
+      </p:par>
+    </p:tnLst>
+  </p:timing>
 </p:sld>
 </file>
 
@@ -3953,184 +4809,88 @@
       </p:grpSpPr>
       <p:sp>
         <p:nvSpPr>
-          <p:cNvPr id="2" name="Title 1"/>
-          <p:cNvSpPr>
-            <a:spLocks noGrp="1"/>
-          </p:cNvSpPr>
-          <p:nvPr>
-            <p:ph type="title"/>
-          </p:nvPr>
-        </p:nvSpPr>
-        <p:spPr/>
-        <p:txBody>
-          <a:bodyPr>
+          <p:cNvPr id="5" name="內容版面配置區 4"/>
+          <p:cNvSpPr>
+            <a:spLocks noGrp="1"/>
+          </p:cNvSpPr>
+          <p:nvPr>
+            <p:ph idx="1"/>
+          </p:nvPr>
+        </p:nvSpPr>
+        <p:spPr>
+          <a:xfrm>
+            <a:off x="0" y="2084851"/>
+            <a:ext cx="12192000" cy="2404863"/>
+          </a:xfrm>
+        </p:spPr>
+        <p:txBody>
+          <a:bodyPr anchor="ctr">
             <a:normAutofit/>
           </a:bodyPr>
           <a:lstStyle/>
           <a:p>
-            <a:r>
-              <a:rPr lang="zh-CN" altLang="en-US" sz="4800" b="1" dirty="0" smtClean="0">
-                <a:latin typeface="Microsoft JhengHei" panose="020B0604030504040204" pitchFamily="34" charset="-120"/>
-                <a:ea typeface="Microsoft JhengHei" panose="020B0604030504040204" pitchFamily="34" charset="-120"/>
-              </a:rPr>
-              <a:t>將你的器皿交給主</a:t>
-            </a:r>
-            <a:endParaRPr lang="vi-VN" sz="4800" b="1" dirty="0">
-              <a:ea typeface="Microsoft JhengHei" panose="020B0604030504040204" pitchFamily="34" charset="-120"/>
+            <a:pPr marL="0" indent="0" algn="ctr">
+              <a:buNone/>
+            </a:pPr>
+            <a:r>
+              <a:rPr lang="zh-CN" altLang="en-US" sz="6400" b="1" dirty="0">
+                <a:solidFill>
+                  <a:srgbClr val="660033"/>
+                </a:solidFill>
+                <a:latin typeface="Microsoft JhengHei" pitchFamily="34" charset="-120"/>
+                <a:ea typeface="Microsoft JhengHei" pitchFamily="34" charset="-120"/>
+              </a:rPr>
+              <a:t>現在主要充滿你心直到滿溢</a:t>
+            </a:r>
+            <a:endParaRPr lang="en-US" altLang="zh-CN" sz="6400" b="1" dirty="0">
+              <a:solidFill>
+                <a:srgbClr val="660033"/>
+              </a:solidFill>
+              <a:latin typeface="Microsoft JhengHei" pitchFamily="34" charset="-120"/>
+              <a:ea typeface="Microsoft JhengHei" pitchFamily="34" charset="-120"/>
             </a:endParaRPr>
           </a:p>
-        </p:txBody>
-      </p:sp>
-      <p:sp>
-        <p:nvSpPr>
-          <p:cNvPr id="3" name="Content Placeholder 2"/>
-          <p:cNvSpPr>
-            <a:spLocks noGrp="1"/>
-          </p:cNvSpPr>
-          <p:nvPr>
-            <p:ph idx="1"/>
-          </p:nvPr>
-        </p:nvSpPr>
-        <p:spPr>
-          <a:xfrm>
-            <a:off x="609600" y="1600201"/>
-            <a:ext cx="10972800" cy="5257799"/>
-          </a:xfrm>
-        </p:spPr>
-        <p:txBody>
-          <a:bodyPr>
-            <a:normAutofit/>
-          </a:bodyPr>
-          <a:lstStyle/>
           <a:p>
             <a:pPr marL="0" indent="0" algn="ctr">
               <a:buNone/>
             </a:pPr>
             <a:r>
-              <a:rPr lang="zh-CN" altLang="en-US" sz="5400" b="1" dirty="0" smtClean="0">
-                <a:latin typeface="Microsoft JhengHei" panose="020B0604030504040204" pitchFamily="34" charset="-120"/>
-                <a:ea typeface="Microsoft JhengHei" panose="020B0604030504040204" pitchFamily="34" charset="-120"/>
-              </a:rPr>
-              <a:t>像昔日寡婦油瓶救主鴻恩</a:t>
-            </a:r>
-            <a:endParaRPr lang="en-US" altLang="zh-CN" sz="5400" b="1" dirty="0" smtClean="0">
-              <a:latin typeface="Microsoft JhengHei" panose="020B0604030504040204" pitchFamily="34" charset="-120"/>
-              <a:ea typeface="Microsoft JhengHei" panose="020B0604030504040204" pitchFamily="34" charset="-120"/>
+              <a:rPr lang="zh-CN" altLang="en-US" sz="6400" b="1" dirty="0">
+                <a:solidFill>
+                  <a:srgbClr val="660033"/>
+                </a:solidFill>
+                <a:latin typeface="Microsoft JhengHei" pitchFamily="34" charset="-120"/>
+                <a:ea typeface="Microsoft JhengHei" pitchFamily="34" charset="-120"/>
+              </a:rPr>
+              <a:t>你要將心靈才幹</a:t>
+            </a:r>
+            <a:endParaRPr lang="en-US" altLang="zh-CN" sz="6400" b="1" dirty="0">
+              <a:solidFill>
+                <a:srgbClr val="660033"/>
+              </a:solidFill>
+              <a:latin typeface="Microsoft JhengHei" pitchFamily="34" charset="-120"/>
+              <a:ea typeface="Microsoft JhengHei" pitchFamily="34" charset="-120"/>
             </a:endParaRPr>
-          </a:p>
-          <a:p>
-            <a:pPr marL="0" indent="0" algn="ctr">
-              <a:buNone/>
-            </a:pPr>
-            <a:r>
-              <a:rPr lang="zh-CN" altLang="en-US" sz="5400" b="1" dirty="0" smtClean="0">
-                <a:latin typeface="Microsoft JhengHei" panose="020B0604030504040204" pitchFamily="34" charset="-120"/>
-                <a:ea typeface="Microsoft JhengHei" panose="020B0604030504040204" pitchFamily="34" charset="-120"/>
-              </a:rPr>
-              <a:t>無窮無盡</a:t>
-            </a:r>
-            <a:endParaRPr lang="en-US" altLang="zh-CN" sz="5400" b="1" dirty="0" smtClean="0">
-              <a:latin typeface="Microsoft JhengHei" panose="020B0604030504040204" pitchFamily="34" charset="-120"/>
-              <a:ea typeface="Microsoft JhengHei" panose="020B0604030504040204" pitchFamily="34" charset="-120"/>
-            </a:endParaRPr>
-          </a:p>
-          <a:p>
-            <a:pPr marL="0" indent="0" algn="ctr">
-              <a:buNone/>
-            </a:pPr>
-            <a:r>
-              <a:rPr lang="zh-CN" altLang="en-US" sz="5400" b="1" dirty="0" smtClean="0">
-                <a:latin typeface="Microsoft JhengHei" panose="020B0604030504040204" pitchFamily="34" charset="-120"/>
-                <a:ea typeface="Microsoft JhengHei" panose="020B0604030504040204" pitchFamily="34" charset="-120"/>
-              </a:rPr>
-              <a:t>主的愛永無更變</a:t>
-            </a:r>
-            <a:endParaRPr lang="en-US" altLang="zh-CN" sz="5400" b="1" dirty="0" smtClean="0">
-              <a:latin typeface="Microsoft JhengHei" panose="020B0604030504040204" pitchFamily="34" charset="-120"/>
-              <a:ea typeface="Microsoft JhengHei" panose="020B0604030504040204" pitchFamily="34" charset="-120"/>
-            </a:endParaRPr>
-          </a:p>
-          <a:p>
-            <a:pPr marL="0" indent="0" algn="ctr">
-              <a:buNone/>
-            </a:pPr>
-            <a:r>
-              <a:rPr lang="zh-CN" altLang="en-US" sz="5400" b="1" dirty="0">
-                <a:latin typeface="Microsoft JhengHei" panose="020B0604030504040204" pitchFamily="34" charset="-120"/>
-                <a:ea typeface="Microsoft JhengHei" panose="020B0604030504040204" pitchFamily="34" charset="-120"/>
-              </a:rPr>
-              <a:t>救</a:t>
-            </a:r>
-            <a:r>
-              <a:rPr lang="zh-CN" altLang="en-US" sz="5400" b="1" dirty="0" smtClean="0">
-                <a:latin typeface="Microsoft JhengHei" panose="020B0604030504040204" pitchFamily="34" charset="-120"/>
-                <a:ea typeface="Microsoft JhengHei" panose="020B0604030504040204" pitchFamily="34" charset="-120"/>
-              </a:rPr>
-              <a:t>主已應許賜下真理</a:t>
-            </a:r>
-            <a:endParaRPr lang="en-US" altLang="zh-CN" sz="5400" b="1" dirty="0" smtClean="0">
-              <a:latin typeface="Microsoft JhengHei" panose="020B0604030504040204" pitchFamily="34" charset="-120"/>
-              <a:ea typeface="Microsoft JhengHei" panose="020B0604030504040204" pitchFamily="34" charset="-120"/>
-            </a:endParaRPr>
-          </a:p>
-          <a:p>
-            <a:pPr marL="0" indent="0" algn="ctr">
-              <a:buNone/>
-            </a:pPr>
-            <a:r>
-              <a:rPr lang="zh-CN" altLang="en-US" sz="5400" b="1" dirty="0" smtClean="0">
-                <a:latin typeface="Microsoft JhengHei" panose="020B0604030504040204" pitchFamily="34" charset="-120"/>
-                <a:ea typeface="Microsoft JhengHei" panose="020B0604030504040204" pitchFamily="34" charset="-120"/>
-              </a:rPr>
-              <a:t>聖靈與大能力  主要充滿各器皿</a:t>
-            </a:r>
-            <a:endParaRPr lang="en-US" altLang="zh-CN" sz="5400" b="1" dirty="0" smtClean="0">
-              <a:latin typeface="Microsoft JhengHei" panose="020B0604030504040204" pitchFamily="34" charset="-120"/>
-              <a:ea typeface="Microsoft JhengHei" panose="020B0604030504040204" pitchFamily="34" charset="-120"/>
-            </a:endParaRPr>
-          </a:p>
-        </p:txBody>
-      </p:sp>
-      <p:sp>
-        <p:nvSpPr>
-          <p:cNvPr id="5" name="TextBox 4"/>
-          <p:cNvSpPr txBox="1"/>
-          <p:nvPr/>
-        </p:nvSpPr>
-        <p:spPr>
-          <a:xfrm>
-            <a:off x="609600" y="1600201"/>
-            <a:ext cx="834189" cy="923330"/>
-          </a:xfrm>
-          <a:prstGeom prst="rect">
-            <a:avLst/>
-          </a:prstGeom>
-          <a:noFill/>
-        </p:spPr>
-        <p:txBody>
-          <a:bodyPr wrap="square" rtlCol="0">
-            <a:spAutoFit/>
-          </a:bodyPr>
-          <a:lstStyle/>
-          <a:p>
-            <a:r>
-              <a:rPr lang="en-US" sz="5400" b="1" dirty="0" smtClean="0"/>
-              <a:t>3.</a:t>
-            </a:r>
-            <a:endParaRPr lang="vi-VN" sz="5400" b="1" dirty="0"/>
           </a:p>
         </p:txBody>
       </p:sp>
     </p:spTree>
     <p:extLst>
       <p:ext uri="{BB962C8B-B14F-4D97-AF65-F5344CB8AC3E}">
-        <p14:creationId xmlns:p14="http://schemas.microsoft.com/office/powerpoint/2010/main" val="3680113536"/>
+        <p14:creationId xmlns:p14="http://schemas.microsoft.com/office/powerpoint/2010/main" val="4116360048"/>
       </p:ext>
     </p:extLst>
   </p:cSld>
   <p:clrMapOvr>
     <a:masterClrMapping/>
   </p:clrMapOvr>
+  <p:timing>
+    <p:tnLst>
+      <p:par>
+        <p:cTn id="1" dur="indefinite" restart="never" nodeType="tmRoot"/>
+      </p:par>
+    </p:tnLst>
+  </p:timing>
 </p:sld>
 </file>
 
@@ -4153,182 +4913,67 @@
       </p:grpSpPr>
       <p:sp>
         <p:nvSpPr>
-          <p:cNvPr id="2" name="Title 1"/>
-          <p:cNvSpPr>
-            <a:spLocks noGrp="1"/>
-          </p:cNvSpPr>
-          <p:nvPr>
-            <p:ph type="title"/>
-          </p:nvPr>
-        </p:nvSpPr>
-        <p:spPr/>
-        <p:txBody>
-          <a:bodyPr>
+          <p:cNvPr id="5" name="內容版面配置區 4"/>
+          <p:cNvSpPr>
+            <a:spLocks noGrp="1"/>
+          </p:cNvSpPr>
+          <p:nvPr>
+            <p:ph idx="1"/>
+          </p:nvPr>
+        </p:nvSpPr>
+        <p:spPr>
+          <a:xfrm>
+            <a:off x="0" y="2084851"/>
+            <a:ext cx="12192000" cy="2404863"/>
+          </a:xfrm>
+        </p:spPr>
+        <p:txBody>
+          <a:bodyPr anchor="ctr">
             <a:normAutofit/>
           </a:bodyPr>
           <a:lstStyle/>
           <a:p>
-            <a:r>
-              <a:rPr lang="zh-CN" altLang="en-US" sz="4800" b="1" dirty="0" smtClean="0">
-                <a:latin typeface="Microsoft JhengHei" panose="020B0604030504040204" pitchFamily="34" charset="-120"/>
-                <a:ea typeface="Microsoft JhengHei" panose="020B0604030504040204" pitchFamily="34" charset="-120"/>
-              </a:rPr>
-              <a:t>將你的器皿交給主</a:t>
-            </a:r>
-            <a:endParaRPr lang="vi-VN" sz="4800" b="1" dirty="0">
-              <a:ea typeface="Microsoft JhengHei" panose="020B0604030504040204" pitchFamily="34" charset="-120"/>
+            <a:pPr marL="0" indent="0" algn="ctr">
+              <a:buNone/>
+            </a:pPr>
+            <a:r>
+              <a:rPr lang="zh-CN" altLang="en-US" sz="6400" b="1" dirty="0">
+                <a:solidFill>
+                  <a:srgbClr val="660033"/>
+                </a:solidFill>
+                <a:latin typeface="Microsoft JhengHei" pitchFamily="34" charset="-120"/>
+                <a:ea typeface="Microsoft JhengHei" pitchFamily="34" charset="-120"/>
+              </a:rPr>
+              <a:t>如空皿交主手裏</a:t>
+            </a:r>
+            <a:endParaRPr lang="en-US" altLang="zh-CN" sz="6400" b="1" dirty="0">
+              <a:solidFill>
+                <a:srgbClr val="660033"/>
+              </a:solidFill>
+              <a:latin typeface="Microsoft JhengHei" pitchFamily="34" charset="-120"/>
+              <a:ea typeface="Microsoft JhengHei" pitchFamily="34" charset="-120"/>
             </a:endParaRPr>
           </a:p>
-        </p:txBody>
-      </p:sp>
-      <p:sp>
-        <p:nvSpPr>
-          <p:cNvPr id="3" name="Content Placeholder 2"/>
-          <p:cNvSpPr>
-            <a:spLocks noGrp="1"/>
-          </p:cNvSpPr>
-          <p:nvPr>
-            <p:ph idx="1"/>
-          </p:nvPr>
-        </p:nvSpPr>
-        <p:spPr>
-          <a:xfrm>
-            <a:off x="609600" y="1600201"/>
-            <a:ext cx="10972800" cy="5257799"/>
-          </a:xfrm>
-        </p:spPr>
-        <p:txBody>
-          <a:bodyPr>
-            <a:normAutofit/>
-          </a:bodyPr>
-          <a:lstStyle/>
           <a:p>
             <a:pPr marL="0" indent="0" algn="ctr">
               <a:buNone/>
             </a:pPr>
             <a:r>
-              <a:rPr lang="zh-CN" altLang="en-US" sz="5400" b="1" dirty="0" smtClean="0">
-                <a:latin typeface="Microsoft JhengHei" panose="020B0604030504040204" pitchFamily="34" charset="-120"/>
-                <a:ea typeface="Microsoft JhengHei" panose="020B0604030504040204" pitchFamily="34" charset="-120"/>
+              <a:rPr lang="zh-CN" altLang="en-US" sz="6400" b="1" dirty="0">
+                <a:solidFill>
+                  <a:srgbClr val="660033"/>
+                </a:solidFill>
+                <a:latin typeface="Microsoft JhengHei" pitchFamily="34" charset="-120"/>
+                <a:ea typeface="Microsoft JhengHei" pitchFamily="34" charset="-120"/>
               </a:rPr>
               <a:t>現在主要充滿你心直到滿溢</a:t>
             </a:r>
-            <a:endParaRPr lang="en-US" altLang="zh-CN" sz="5400" b="1" dirty="0" smtClean="0">
-              <a:latin typeface="Microsoft JhengHei" panose="020B0604030504040204" pitchFamily="34" charset="-120"/>
-              <a:ea typeface="Microsoft JhengHei" panose="020B0604030504040204" pitchFamily="34" charset="-120"/>
-            </a:endParaRPr>
-          </a:p>
-          <a:p>
-            <a:pPr marL="0" indent="0" algn="ctr">
-              <a:buNone/>
-            </a:pPr>
-            <a:r>
-              <a:rPr lang="zh-CN" altLang="en-US" sz="5400" b="1" dirty="0">
-                <a:latin typeface="Microsoft JhengHei" panose="020B0604030504040204" pitchFamily="34" charset="-120"/>
-                <a:ea typeface="Microsoft JhengHei" panose="020B0604030504040204" pitchFamily="34" charset="-120"/>
-              </a:rPr>
-              <a:t>你</a:t>
-            </a:r>
-            <a:r>
-              <a:rPr lang="zh-CN" altLang="en-US" sz="5400" b="1" dirty="0" smtClean="0">
-                <a:latin typeface="Microsoft JhengHei" panose="020B0604030504040204" pitchFamily="34" charset="-120"/>
-                <a:ea typeface="Microsoft JhengHei" panose="020B0604030504040204" pitchFamily="34" charset="-120"/>
-              </a:rPr>
-              <a:t>要將心靈才幹</a:t>
-            </a:r>
-            <a:endParaRPr lang="en-US" altLang="zh-CN" sz="5400" b="1" dirty="0" smtClean="0">
-              <a:latin typeface="Microsoft JhengHei" panose="020B0604030504040204" pitchFamily="34" charset="-120"/>
-              <a:ea typeface="Microsoft JhengHei" panose="020B0604030504040204" pitchFamily="34" charset="-120"/>
-            </a:endParaRPr>
-          </a:p>
-          <a:p>
-            <a:pPr marL="0" indent="0" algn="ctr">
-              <a:buNone/>
-            </a:pPr>
-            <a:r>
-              <a:rPr lang="zh-CN" altLang="en-US" sz="5400" b="1" dirty="0" smtClean="0">
-                <a:latin typeface="Microsoft JhengHei" panose="020B0604030504040204" pitchFamily="34" charset="-120"/>
-                <a:ea typeface="Microsoft JhengHei" panose="020B0604030504040204" pitchFamily="34" charset="-120"/>
-              </a:rPr>
-              <a:t>如空皿交主手裏</a:t>
-            </a:r>
-            <a:endParaRPr lang="en-US" altLang="zh-CN" sz="5400" b="1" dirty="0" smtClean="0">
-              <a:latin typeface="Microsoft JhengHei" panose="020B0604030504040204" pitchFamily="34" charset="-120"/>
-              <a:ea typeface="Microsoft JhengHei" panose="020B0604030504040204" pitchFamily="34" charset="-120"/>
-            </a:endParaRPr>
-          </a:p>
-          <a:p>
-            <a:pPr marL="0" indent="0" algn="ctr">
-              <a:buNone/>
-            </a:pPr>
-            <a:r>
-              <a:rPr lang="zh-CN" altLang="en-US" sz="5400" b="1" dirty="0">
-                <a:latin typeface="Microsoft JhengHei" panose="020B0604030504040204" pitchFamily="34" charset="-120"/>
-                <a:ea typeface="Microsoft JhengHei" panose="020B0604030504040204" pitchFamily="34" charset="-120"/>
-              </a:rPr>
-              <a:t>現</a:t>
-            </a:r>
-            <a:r>
-              <a:rPr lang="zh-CN" altLang="en-US" sz="5400" b="1" dirty="0" smtClean="0">
-                <a:latin typeface="Microsoft JhengHei" panose="020B0604030504040204" pitchFamily="34" charset="-120"/>
-                <a:ea typeface="Microsoft JhengHei" panose="020B0604030504040204" pitchFamily="34" charset="-120"/>
-              </a:rPr>
-              <a:t>在主要</a:t>
-            </a:r>
-            <a:r>
-              <a:rPr lang="zh-CN" altLang="en-US" sz="5400" b="1" dirty="0">
-                <a:latin typeface="Microsoft JhengHei" panose="020B0604030504040204" pitchFamily="34" charset="-120"/>
-                <a:ea typeface="Microsoft JhengHei" panose="020B0604030504040204" pitchFamily="34" charset="-120"/>
-              </a:rPr>
-              <a:t>充滿</a:t>
-            </a:r>
-            <a:r>
-              <a:rPr lang="zh-CN" altLang="en-US" sz="5400" b="1" dirty="0" smtClean="0">
-                <a:latin typeface="Microsoft JhengHei" panose="020B0604030504040204" pitchFamily="34" charset="-120"/>
-                <a:ea typeface="Microsoft JhengHei" panose="020B0604030504040204" pitchFamily="34" charset="-120"/>
-              </a:rPr>
-              <a:t>你</a:t>
-            </a:r>
-            <a:r>
-              <a:rPr lang="zh-CN" altLang="en-US" sz="5400" b="1" dirty="0">
-                <a:latin typeface="Microsoft JhengHei" panose="020B0604030504040204" pitchFamily="34" charset="-120"/>
-                <a:ea typeface="Microsoft JhengHei" panose="020B0604030504040204" pitchFamily="34" charset="-120"/>
-              </a:rPr>
-              <a:t>心直到滿</a:t>
-            </a:r>
-            <a:r>
-              <a:rPr lang="zh-CN" altLang="en-US" sz="5400" b="1" dirty="0" smtClean="0">
-                <a:latin typeface="Microsoft JhengHei" panose="020B0604030504040204" pitchFamily="34" charset="-120"/>
-                <a:ea typeface="Microsoft JhengHei" panose="020B0604030504040204" pitchFamily="34" charset="-120"/>
-              </a:rPr>
-              <a:t>溢</a:t>
-            </a:r>
-            <a:endParaRPr lang="en-US" altLang="zh-CN" sz="5400" b="1" dirty="0" smtClean="0">
-              <a:latin typeface="Microsoft JhengHei" panose="020B0604030504040204" pitchFamily="34" charset="-120"/>
-              <a:ea typeface="Microsoft JhengHei" panose="020B0604030504040204" pitchFamily="34" charset="-120"/>
-            </a:endParaRPr>
-          </a:p>
-          <a:p>
-            <a:pPr marL="0" indent="0" algn="ctr">
-              <a:buNone/>
-            </a:pPr>
-            <a:r>
-              <a:rPr lang="zh-CN" altLang="en-US" sz="5400" b="1" dirty="0">
-                <a:latin typeface="Microsoft JhengHei" panose="020B0604030504040204" pitchFamily="34" charset="-120"/>
-                <a:ea typeface="Microsoft JhengHei" panose="020B0604030504040204" pitchFamily="34" charset="-120"/>
-              </a:rPr>
-              <a:t>充</a:t>
-            </a:r>
-            <a:r>
-              <a:rPr lang="zh-CN" altLang="en-US" sz="5400" b="1" dirty="0" smtClean="0">
-                <a:latin typeface="Microsoft JhengHei" panose="020B0604030504040204" pitchFamily="34" charset="-120"/>
-                <a:ea typeface="Microsoft JhengHei" panose="020B0604030504040204" pitchFamily="34" charset="-120"/>
-              </a:rPr>
-              <a:t>滿聖靈與能力</a:t>
-            </a:r>
-            <a:endParaRPr lang="en-US" altLang="zh-CN" sz="5400" b="1" dirty="0" smtClean="0">
-              <a:latin typeface="Microsoft JhengHei" panose="020B0604030504040204" pitchFamily="34" charset="-120"/>
-              <a:ea typeface="Microsoft JhengHei" panose="020B0604030504040204" pitchFamily="34" charset="-120"/>
+            <a:endParaRPr lang="en-US" altLang="zh-CN" sz="6400" b="1" dirty="0">
+              <a:solidFill>
+                <a:srgbClr val="660033"/>
+              </a:solidFill>
+              <a:latin typeface="Microsoft JhengHei" pitchFamily="34" charset="-120"/>
+              <a:ea typeface="Microsoft JhengHei" pitchFamily="34" charset="-120"/>
             </a:endParaRPr>
           </a:p>
         </p:txBody>
@@ -4336,13 +4981,438 @@
     </p:spTree>
     <p:extLst>
       <p:ext uri="{BB962C8B-B14F-4D97-AF65-F5344CB8AC3E}">
-        <p14:creationId xmlns:p14="http://schemas.microsoft.com/office/powerpoint/2010/main" val="2466027756"/>
+        <p14:creationId xmlns:p14="http://schemas.microsoft.com/office/powerpoint/2010/main" val="2901539610"/>
       </p:ext>
     </p:extLst>
   </p:cSld>
   <p:clrMapOvr>
     <a:masterClrMapping/>
   </p:clrMapOvr>
+  <p:timing>
+    <p:tnLst>
+      <p:par>
+        <p:cTn id="1" dur="indefinite" restart="never" nodeType="tmRoot"/>
+      </p:par>
+    </p:tnLst>
+  </p:timing>
+</p:sld>
+</file>
+
+<file path=ppt/slides/slide7.xml><?xml version="1.0" encoding="utf-8"?>
+<p:sld xmlns:a="http://schemas.openxmlformats.org/drawingml/2006/main" xmlns:r="http://schemas.openxmlformats.org/officeDocument/2006/relationships" xmlns:p="http://schemas.openxmlformats.org/presentationml/2006/main">
+  <p:cSld>
+    <p:spTree>
+      <p:nvGrpSpPr>
+        <p:cNvPr id="1" name=""/>
+        <p:cNvGrpSpPr/>
+        <p:nvPr/>
+      </p:nvGrpSpPr>
+      <p:grpSpPr>
+        <a:xfrm>
+          <a:off x="0" y="0"/>
+          <a:ext cx="0" cy="0"/>
+          <a:chOff x="0" y="0"/>
+          <a:chExt cx="0" cy="0"/>
+        </a:xfrm>
+      </p:grpSpPr>
+      <p:sp>
+        <p:nvSpPr>
+          <p:cNvPr id="5" name="內容版面配置區 4"/>
+          <p:cNvSpPr>
+            <a:spLocks noGrp="1"/>
+          </p:cNvSpPr>
+          <p:nvPr>
+            <p:ph idx="1"/>
+          </p:nvPr>
+        </p:nvSpPr>
+        <p:spPr>
+          <a:xfrm>
+            <a:off x="0" y="2084851"/>
+            <a:ext cx="12192000" cy="2404863"/>
+          </a:xfrm>
+        </p:spPr>
+        <p:txBody>
+          <a:bodyPr anchor="ctr">
+            <a:normAutofit/>
+          </a:bodyPr>
+          <a:lstStyle/>
+          <a:p>
+            <a:pPr marL="0" indent="0" algn="ctr">
+              <a:buNone/>
+            </a:pPr>
+            <a:r>
+              <a:rPr lang="zh-CN" altLang="en-US" sz="6400" b="1" dirty="0">
+                <a:solidFill>
+                  <a:srgbClr val="660033"/>
+                </a:solidFill>
+                <a:latin typeface="Microsoft JhengHei" pitchFamily="34" charset="-120"/>
+                <a:ea typeface="Microsoft JhengHei" pitchFamily="34" charset="-120"/>
+              </a:rPr>
+              <a:t>充滿聖靈與能力</a:t>
+            </a:r>
+            <a:endParaRPr lang="en-US" altLang="zh-CN" sz="6400" b="1" dirty="0">
+              <a:solidFill>
+                <a:srgbClr val="660033"/>
+              </a:solidFill>
+              <a:latin typeface="Microsoft JhengHei" pitchFamily="34" charset="-120"/>
+              <a:ea typeface="Microsoft JhengHei" pitchFamily="34" charset="-120"/>
+            </a:endParaRPr>
+          </a:p>
+        </p:txBody>
+      </p:sp>
+    </p:spTree>
+    <p:extLst>
+      <p:ext uri="{BB962C8B-B14F-4D97-AF65-F5344CB8AC3E}">
+        <p14:creationId xmlns:p14="http://schemas.microsoft.com/office/powerpoint/2010/main" val="4263355597"/>
+      </p:ext>
+    </p:extLst>
+  </p:cSld>
+  <p:clrMapOvr>
+    <a:masterClrMapping/>
+  </p:clrMapOvr>
+  <p:timing>
+    <p:tnLst>
+      <p:par>
+        <p:cTn id="1" dur="indefinite" restart="never" nodeType="tmRoot"/>
+      </p:par>
+    </p:tnLst>
+  </p:timing>
+</p:sld>
+</file>
+
+<file path=ppt/slides/slide8.xml><?xml version="1.0" encoding="utf-8"?>
+<p:sld xmlns:a="http://schemas.openxmlformats.org/drawingml/2006/main" xmlns:r="http://schemas.openxmlformats.org/officeDocument/2006/relationships" xmlns:p="http://schemas.openxmlformats.org/presentationml/2006/main">
+  <p:cSld>
+    <p:spTree>
+      <p:nvGrpSpPr>
+        <p:cNvPr id="1" name=""/>
+        <p:cNvGrpSpPr/>
+        <p:nvPr/>
+      </p:nvGrpSpPr>
+      <p:grpSpPr>
+        <a:xfrm>
+          <a:off x="0" y="0"/>
+          <a:ext cx="0" cy="0"/>
+          <a:chOff x="0" y="0"/>
+          <a:chExt cx="0" cy="0"/>
+        </a:xfrm>
+      </p:grpSpPr>
+      <p:sp>
+        <p:nvSpPr>
+          <p:cNvPr id="5" name="內容版面配置區 4"/>
+          <p:cNvSpPr>
+            <a:spLocks noGrp="1"/>
+          </p:cNvSpPr>
+          <p:nvPr>
+            <p:ph idx="1"/>
+          </p:nvPr>
+        </p:nvSpPr>
+        <p:spPr>
+          <a:xfrm>
+            <a:off x="0" y="2084851"/>
+            <a:ext cx="12192000" cy="2404863"/>
+          </a:xfrm>
+        </p:spPr>
+        <p:txBody>
+          <a:bodyPr anchor="ctr">
+            <a:normAutofit/>
+          </a:bodyPr>
+          <a:lstStyle/>
+          <a:p>
+            <a:pPr marL="0" indent="0" algn="ctr">
+              <a:buNone/>
+            </a:pPr>
+            <a:r>
+              <a:rPr lang="zh-CN" altLang="en-US" sz="6400" b="1" dirty="0">
+                <a:solidFill>
+                  <a:srgbClr val="660033"/>
+                </a:solidFill>
+                <a:latin typeface="Microsoft JhengHei" pitchFamily="34" charset="-120"/>
+                <a:ea typeface="Microsoft JhengHei" pitchFamily="34" charset="-120"/>
+              </a:rPr>
+              <a:t>要將你的空器皿得救主</a:t>
+            </a:r>
+            <a:endParaRPr lang="en-US" altLang="zh-CN" sz="6400" b="1" dirty="0">
+              <a:solidFill>
+                <a:srgbClr val="660033"/>
+              </a:solidFill>
+              <a:latin typeface="Microsoft JhengHei" pitchFamily="34" charset="-120"/>
+              <a:ea typeface="Microsoft JhengHei" pitchFamily="34" charset="-120"/>
+            </a:endParaRPr>
+          </a:p>
+          <a:p>
+            <a:pPr marL="0" indent="0" algn="ctr">
+              <a:buNone/>
+            </a:pPr>
+            <a:r>
+              <a:rPr lang="zh-CN" altLang="en-US" sz="6400" b="1" dirty="0">
+                <a:solidFill>
+                  <a:srgbClr val="660033"/>
+                </a:solidFill>
+                <a:latin typeface="Microsoft JhengHei" pitchFamily="34" charset="-120"/>
+                <a:ea typeface="Microsoft JhengHei" pitchFamily="34" charset="-120"/>
+              </a:rPr>
+              <a:t>寶血洗一</a:t>
+            </a:r>
+            <a:r>
+              <a:rPr lang="zh-CN" altLang="en-US" sz="6400" b="1" dirty="0">
+                <a:solidFill>
+                  <a:srgbClr val="660033"/>
+                </a:solidFill>
+                <a:latin typeface="Microsoft JhengHei" pitchFamily="34" charset="-120"/>
+                <a:ea typeface="Microsoft JhengHei" pitchFamily="34" charset="-120"/>
+              </a:rPr>
+              <a:t>新</a:t>
+            </a:r>
+            <a:r>
+              <a:rPr lang="en-US" altLang="zh-CN" sz="6400" b="1" dirty="0">
+                <a:solidFill>
+                  <a:srgbClr val="660033"/>
+                </a:solidFill>
+                <a:latin typeface="Microsoft JhengHei" pitchFamily="34" charset="-120"/>
+                <a:ea typeface="Microsoft JhengHei" pitchFamily="34" charset="-120"/>
+              </a:rPr>
+              <a:t>   </a:t>
+            </a:r>
+            <a:r>
+              <a:rPr lang="zh-CN" altLang="en-US" sz="6400" b="1" dirty="0">
+                <a:solidFill>
+                  <a:srgbClr val="660033"/>
+                </a:solidFill>
+                <a:latin typeface="Microsoft JhengHei" pitchFamily="34" charset="-120"/>
+                <a:ea typeface="Microsoft JhengHei" pitchFamily="34" charset="-120"/>
+              </a:rPr>
+              <a:t>缺</a:t>
+            </a:r>
+            <a:r>
+              <a:rPr lang="zh-CN" altLang="en-US" sz="6400" b="1" dirty="0">
+                <a:solidFill>
+                  <a:srgbClr val="660033"/>
+                </a:solidFill>
+                <a:latin typeface="Microsoft JhengHei" pitchFamily="34" charset="-120"/>
+                <a:ea typeface="Microsoft JhengHei" pitchFamily="34" charset="-120"/>
+              </a:rPr>
+              <a:t>乏者今可前來</a:t>
+            </a:r>
+            <a:endParaRPr lang="en-US" altLang="zh-CN" sz="6400" b="1" dirty="0">
+              <a:solidFill>
+                <a:srgbClr val="660033"/>
+              </a:solidFill>
+              <a:latin typeface="Microsoft JhengHei" pitchFamily="34" charset="-120"/>
+              <a:ea typeface="Microsoft JhengHei" pitchFamily="34" charset="-120"/>
+            </a:endParaRPr>
+          </a:p>
+        </p:txBody>
+      </p:sp>
+      <p:sp>
+        <p:nvSpPr>
+          <p:cNvPr id="3" name="TextBox 2"/>
+          <p:cNvSpPr txBox="1"/>
+          <p:nvPr/>
+        </p:nvSpPr>
+        <p:spPr>
+          <a:xfrm>
+            <a:off x="0" y="5061182"/>
+            <a:ext cx="12192000" cy="830997"/>
+          </a:xfrm>
+          <a:prstGeom prst="rect">
+            <a:avLst/>
+          </a:prstGeom>
+          <a:noFill/>
+        </p:spPr>
+        <p:txBody>
+          <a:bodyPr wrap="square" rtlCol="0">
+            <a:spAutoFit/>
+          </a:bodyPr>
+          <a:lstStyle/>
+          <a:p>
+            <a:pPr algn="ctr"/>
+            <a:r>
+              <a:rPr lang="en-US" sz="4800" b="1" dirty="0">
+                <a:solidFill>
+                  <a:srgbClr val="660033"/>
+                </a:solidFill>
+              </a:rPr>
+              <a:t>( 2 – 3 )</a:t>
+            </a:r>
+            <a:endParaRPr lang="vi-VN" sz="4800" b="1" dirty="0">
+              <a:solidFill>
+                <a:srgbClr val="660033"/>
+              </a:solidFill>
+            </a:endParaRPr>
+          </a:p>
+        </p:txBody>
+      </p:sp>
+    </p:spTree>
+    <p:extLst>
+      <p:ext uri="{BB962C8B-B14F-4D97-AF65-F5344CB8AC3E}">
+        <p14:creationId xmlns:p14="http://schemas.microsoft.com/office/powerpoint/2010/main" val="858324660"/>
+      </p:ext>
+    </p:extLst>
+  </p:cSld>
+  <p:clrMapOvr>
+    <a:masterClrMapping/>
+  </p:clrMapOvr>
+  <p:timing>
+    <p:tnLst>
+      <p:par>
+        <p:cTn id="1" dur="indefinite" restart="never" nodeType="tmRoot"/>
+      </p:par>
+    </p:tnLst>
+  </p:timing>
+</p:sld>
+</file>
+
+<file path=ppt/slides/slide9.xml><?xml version="1.0" encoding="utf-8"?>
+<p:sld xmlns:a="http://schemas.openxmlformats.org/drawingml/2006/main" xmlns:r="http://schemas.openxmlformats.org/officeDocument/2006/relationships" xmlns:p="http://schemas.openxmlformats.org/presentationml/2006/main">
+  <p:cSld>
+    <p:spTree>
+      <p:nvGrpSpPr>
+        <p:cNvPr id="1" name=""/>
+        <p:cNvGrpSpPr/>
+        <p:nvPr/>
+      </p:nvGrpSpPr>
+      <p:grpSpPr>
+        <a:xfrm>
+          <a:off x="0" y="0"/>
+          <a:ext cx="0" cy="0"/>
+          <a:chOff x="0" y="0"/>
+          <a:chExt cx="0" cy="0"/>
+        </a:xfrm>
+      </p:grpSpPr>
+      <p:sp>
+        <p:nvSpPr>
+          <p:cNvPr id="5" name="內容版面配置區 4"/>
+          <p:cNvSpPr>
+            <a:spLocks noGrp="1"/>
+          </p:cNvSpPr>
+          <p:nvPr>
+            <p:ph idx="1"/>
+          </p:nvPr>
+        </p:nvSpPr>
+        <p:spPr>
+          <a:xfrm>
+            <a:off x="0" y="2084851"/>
+            <a:ext cx="12192000" cy="2404863"/>
+          </a:xfrm>
+        </p:spPr>
+        <p:txBody>
+          <a:bodyPr anchor="ctr">
+            <a:normAutofit/>
+          </a:bodyPr>
+          <a:lstStyle/>
+          <a:p>
+            <a:pPr marL="0" indent="0" algn="ctr">
+              <a:buNone/>
+            </a:pPr>
+            <a:r>
+              <a:rPr lang="zh-CN" altLang="en-US" sz="6400" b="1" dirty="0">
+                <a:solidFill>
+                  <a:srgbClr val="660033"/>
+                </a:solidFill>
+                <a:latin typeface="Microsoft JhengHei" pitchFamily="34" charset="-120"/>
+                <a:ea typeface="Microsoft JhengHei" pitchFamily="34" charset="-120"/>
+              </a:rPr>
+              <a:t>須同心奉獻你所</a:t>
+            </a:r>
+            <a:r>
+              <a:rPr lang="zh-CN" altLang="en-US" sz="6400" b="1" dirty="0">
+                <a:solidFill>
+                  <a:srgbClr val="660033"/>
+                </a:solidFill>
+                <a:latin typeface="Microsoft JhengHei" pitchFamily="34" charset="-120"/>
+                <a:ea typeface="Microsoft JhengHei" pitchFamily="34" charset="-120"/>
+              </a:rPr>
+              <a:t>有</a:t>
+            </a:r>
+            <a:endParaRPr lang="en-US" altLang="zh-CN" sz="6400" b="1" dirty="0">
+              <a:solidFill>
+                <a:srgbClr val="660033"/>
+              </a:solidFill>
+              <a:latin typeface="Microsoft JhengHei" pitchFamily="34" charset="-120"/>
+              <a:ea typeface="Microsoft JhengHei" pitchFamily="34" charset="-120"/>
+            </a:endParaRPr>
+          </a:p>
+          <a:p>
+            <a:pPr marL="0" indent="0" algn="ctr">
+              <a:buNone/>
+            </a:pPr>
+            <a:r>
+              <a:rPr lang="zh-CN" altLang="en-US" sz="6400" b="1" dirty="0">
+                <a:solidFill>
+                  <a:srgbClr val="660033"/>
+                </a:solidFill>
+                <a:latin typeface="Microsoft JhengHei" pitchFamily="34" charset="-120"/>
+                <a:ea typeface="Microsoft JhengHei" pitchFamily="34" charset="-120"/>
+              </a:rPr>
+              <a:t>在主寶座前等候</a:t>
+            </a:r>
+            <a:endParaRPr lang="en-US" altLang="zh-CN" sz="6400" b="1" dirty="0">
+              <a:solidFill>
+                <a:srgbClr val="660033"/>
+              </a:solidFill>
+              <a:latin typeface="Microsoft JhengHei" pitchFamily="34" charset="-120"/>
+              <a:ea typeface="Microsoft JhengHei" pitchFamily="34" charset="-120"/>
+            </a:endParaRPr>
+          </a:p>
+        </p:txBody>
+      </p:sp>
+      <p:sp>
+        <p:nvSpPr>
+          <p:cNvPr id="3" name="TextBox 2"/>
+          <p:cNvSpPr txBox="1"/>
+          <p:nvPr/>
+        </p:nvSpPr>
+        <p:spPr>
+          <a:xfrm>
+            <a:off x="0" y="5061182"/>
+            <a:ext cx="12192000" cy="830997"/>
+          </a:xfrm>
+          <a:prstGeom prst="rect">
+            <a:avLst/>
+          </a:prstGeom>
+          <a:noFill/>
+        </p:spPr>
+        <p:txBody>
+          <a:bodyPr wrap="square" rtlCol="0">
+            <a:spAutoFit/>
+          </a:bodyPr>
+          <a:lstStyle/>
+          <a:p>
+            <a:pPr algn="ctr"/>
+            <a:r>
+              <a:rPr lang="en-US" sz="4800" b="1" dirty="0">
+                <a:solidFill>
+                  <a:srgbClr val="660033"/>
+                </a:solidFill>
+              </a:rPr>
+              <a:t>( 2 – 3 )</a:t>
+            </a:r>
+            <a:endParaRPr lang="vi-VN" sz="4800" b="1" dirty="0">
+              <a:solidFill>
+                <a:srgbClr val="660033"/>
+              </a:solidFill>
+            </a:endParaRPr>
+          </a:p>
+        </p:txBody>
+      </p:sp>
+    </p:spTree>
+    <p:extLst>
+      <p:ext uri="{BB962C8B-B14F-4D97-AF65-F5344CB8AC3E}">
+        <p14:creationId xmlns:p14="http://schemas.microsoft.com/office/powerpoint/2010/main" val="3312410822"/>
+      </p:ext>
+    </p:extLst>
+  </p:cSld>
+  <p:clrMapOvr>
+    <a:masterClrMapping/>
+  </p:clrMapOvr>
+  <p:timing>
+    <p:tnLst>
+      <p:par>
+        <p:cTn id="1" dur="indefinite" restart="never" nodeType="tmRoot"/>
+      </p:par>
+    </p:tnLst>
+  </p:timing>
 </p:sld>
 </file>
 
